--- a/presentation/middle-part a/middle presentation.pptx
+++ b/presentation/middle-part a/middle presentation.pptx
@@ -5,7 +5,7 @@
     <p:sldMasterId id="2147483648" r:id="rId1"/>
   </p:sldMasterIdLst>
   <p:notesMasterIdLst>
-    <p:notesMasterId r:id="rId19"/>
+    <p:notesMasterId r:id="rId20"/>
   </p:notesMasterIdLst>
   <p:sldIdLst>
     <p:sldId id="256" r:id="rId2"/>
@@ -24,7 +24,8 @@
     <p:sldId id="292" r:id="rId15"/>
     <p:sldId id="293" r:id="rId16"/>
     <p:sldId id="294" r:id="rId17"/>
-    <p:sldId id="290" r:id="rId18"/>
+    <p:sldId id="295" r:id="rId18"/>
+    <p:sldId id="290" r:id="rId19"/>
   </p:sldIdLst>
   <p:sldSz cx="9144000" cy="6858000" type="screen4x3"/>
   <p:notesSz cx="6858000" cy="9144000"/>
@@ -224,7 +225,7 @@
             <a:fld id="{D2738D15-B769-4423-AFDD-17EEEF340682}" type="datetimeFigureOut">
               <a:rPr lang="he-IL" smtClean="0"/>
               <a:pPr/>
-              <a:t>כ"ד/ניסן/תשע"ג</a:t>
+              <a:t>כ"ט/ניסן/תשע"ג</a:t>
             </a:fld>
             <a:endParaRPr lang="he-IL"/>
           </a:p>
@@ -619,6 +620,565 @@
           <a:lstStyle/>
           <a:p>
             <a:r>
+              <a:rPr lang="he-IL" baseline="0" dirty="0" smtClean="0"/>
+              <a:t>ה-</a:t>
+            </a:r>
+            <a:r>
+              <a:rPr lang="en-US" baseline="0" dirty="0" smtClean="0"/>
+              <a:t>RC</a:t>
+            </a:r>
+            <a:r>
+              <a:rPr lang="he-IL" baseline="0" dirty="0" smtClean="0"/>
+              <a:t> מקבל את כתובת ההתחלה והסיום של המידע </a:t>
+            </a:r>
+            <a:r>
+              <a:rPr lang="he-IL" baseline="0" dirty="0" smtClean="0"/>
+              <a:t>הרלוונטי </a:t>
+            </a:r>
+            <a:r>
+              <a:rPr lang="he-IL" baseline="0" dirty="0" smtClean="0"/>
+              <a:t>שצריך </a:t>
+            </a:r>
+            <a:r>
+              <a:rPr lang="he-IL" baseline="0" dirty="0" err="1" smtClean="0"/>
+              <a:t>להשלח</a:t>
+            </a:r>
+            <a:r>
+              <a:rPr lang="he-IL" baseline="0" dirty="0" smtClean="0"/>
+              <a:t> חזרה למשתמש</a:t>
+            </a:r>
+            <a:r>
+              <a:rPr lang="he-IL" baseline="0" dirty="0" smtClean="0"/>
+              <a:t>.</a:t>
+            </a:r>
+          </a:p>
+          <a:p>
+            <a:r>
+              <a:rPr lang="he-IL" baseline="0" dirty="0" smtClean="0"/>
+              <a:t> </a:t>
+            </a:r>
+            <a:r>
+              <a:rPr lang="he-IL" baseline="0" dirty="0" smtClean="0"/>
+              <a:t>בכל מחזור שעון, נשלחת כתובת של מידע ל-</a:t>
+            </a:r>
+            <a:r>
+              <a:rPr lang="en-US" baseline="0" dirty="0" smtClean="0"/>
+              <a:t>RAM</a:t>
+            </a:r>
+            <a:r>
+              <a:rPr lang="he-IL" baseline="0" dirty="0" smtClean="0"/>
+              <a:t>, ומתקבלת "מילה" מה-</a:t>
+            </a:r>
+            <a:r>
+              <a:rPr lang="en-US" baseline="0" dirty="0" smtClean="0"/>
+              <a:t>RAM</a:t>
+            </a:r>
+            <a:r>
+              <a:rPr lang="he-IL" baseline="0" dirty="0" smtClean="0"/>
+              <a:t>. </a:t>
+            </a:r>
+            <a:endParaRPr lang="he-IL" baseline="0" dirty="0" smtClean="0"/>
+          </a:p>
+          <a:p>
+            <a:endParaRPr lang="he-IL" baseline="0" dirty="0" smtClean="0"/>
+          </a:p>
+          <a:p>
+            <a:r>
+              <a:rPr lang="he-IL" baseline="0" dirty="0" err="1" smtClean="0"/>
+              <a:t>דיאגרמת</a:t>
+            </a:r>
+            <a:r>
+              <a:rPr lang="he-IL" baseline="0" dirty="0" smtClean="0"/>
+              <a:t> הבלוקים:</a:t>
+            </a:r>
+          </a:p>
+          <a:p>
+            <a:r>
+              <a:rPr lang="he-IL" dirty="0" smtClean="0"/>
+              <a:t>ההתחלה היא לפי עליית</a:t>
+            </a:r>
+            <a:r>
+              <a:rPr lang="he-IL" baseline="0" dirty="0" smtClean="0"/>
+              <a:t> טריגר.</a:t>
+            </a:r>
+          </a:p>
+          <a:p>
+            <a:r>
+              <a:rPr lang="he-IL" baseline="0" dirty="0" smtClean="0"/>
+              <a:t>כתובות ההתחלה והסיום נשמרות ובכל מחזור שעון הכתובת הרלוונטית נשלחת ל-</a:t>
+            </a:r>
+            <a:r>
+              <a:rPr lang="en-US" baseline="0" dirty="0" smtClean="0"/>
+              <a:t>RAM</a:t>
+            </a:r>
+            <a:r>
+              <a:rPr lang="he-IL" baseline="0" dirty="0" smtClean="0"/>
+              <a:t>.</a:t>
+            </a:r>
+          </a:p>
+          <a:p>
+            <a:r>
+              <a:rPr lang="he-IL" baseline="0" dirty="0" smtClean="0"/>
+              <a:t>במקביל מידע מגיע מה-</a:t>
+            </a:r>
+            <a:r>
+              <a:rPr lang="en-US" baseline="0" dirty="0" smtClean="0"/>
+              <a:t>RAM</a:t>
+            </a:r>
+            <a:r>
+              <a:rPr lang="he-IL" baseline="0" dirty="0" smtClean="0"/>
+              <a:t> </a:t>
+            </a:r>
+            <a:r>
+              <a:rPr lang="he-IL" baseline="0" smtClean="0"/>
+              <a:t>ונשלח למשתמש.</a:t>
+            </a:r>
+            <a:endParaRPr lang="he-IL" dirty="0"/>
+          </a:p>
+        </p:txBody>
+      </p:sp>
+      <p:sp>
+        <p:nvSpPr>
+          <p:cNvPr id="4" name="מציין מיקום של מספר שקופית 3"/>
+          <p:cNvSpPr>
+            <a:spLocks noGrp="1"/>
+          </p:cNvSpPr>
+          <p:nvPr>
+            <p:ph type="sldNum" sz="quarter" idx="10"/>
+          </p:nvPr>
+        </p:nvSpPr>
+        <p:spPr/>
+        <p:txBody>
+          <a:bodyPr/>
+          <a:lstStyle/>
+          <a:p>
+            <a:fld id="{3BE12DF1-E6F7-48A8-8BB2-0CD08F5C1D5D}" type="slidenum">
+              <a:rPr lang="he-IL" smtClean="0"/>
+              <a:pPr/>
+              <a:t>12</a:t>
+            </a:fld>
+            <a:endParaRPr lang="he-IL"/>
+          </a:p>
+        </p:txBody>
+      </p:sp>
+    </p:spTree>
+  </p:cSld>
+  <p:clrMapOvr>
+    <a:masterClrMapping/>
+  </p:clrMapOvr>
+</p:notes>
+</file>
+
+<file path=ppt/notesSlides/notesSlide11.xml><?xml version="1.0" encoding="utf-8"?>
+<p:notes xmlns:a="http://schemas.openxmlformats.org/drawingml/2006/main" xmlns:r="http://schemas.openxmlformats.org/officeDocument/2006/relationships" xmlns:p="http://schemas.openxmlformats.org/presentationml/2006/main">
+  <p:cSld>
+    <p:spTree>
+      <p:nvGrpSpPr>
+        <p:cNvPr id="1" name=""/>
+        <p:cNvGrpSpPr/>
+        <p:nvPr/>
+      </p:nvGrpSpPr>
+      <p:grpSpPr>
+        <a:xfrm>
+          <a:off x="0" y="0"/>
+          <a:ext cx="0" cy="0"/>
+          <a:chOff x="0" y="0"/>
+          <a:chExt cx="0" cy="0"/>
+        </a:xfrm>
+      </p:grpSpPr>
+      <p:sp>
+        <p:nvSpPr>
+          <p:cNvPr id="2" name="מציין מיקום של תמונת שקופית 1"/>
+          <p:cNvSpPr>
+            <a:spLocks noGrp="1" noRot="1" noChangeAspect="1"/>
+          </p:cNvSpPr>
+          <p:nvPr>
+            <p:ph type="sldImg"/>
+          </p:nvPr>
+        </p:nvSpPr>
+        <p:spPr/>
+      </p:sp>
+      <p:sp>
+        <p:nvSpPr>
+          <p:cNvPr id="3" name="מציין מיקום של הערות 2"/>
+          <p:cNvSpPr>
+            <a:spLocks noGrp="1"/>
+          </p:cNvSpPr>
+          <p:nvPr>
+            <p:ph type="body" idx="1"/>
+          </p:nvPr>
+        </p:nvSpPr>
+        <p:spPr/>
+        <p:txBody>
+          <a:bodyPr>
+            <a:normAutofit/>
+          </a:bodyPr>
+          <a:lstStyle/>
+          <a:p>
+            <a:pPr rtl="1"/>
+            <a:r>
+              <a:rPr lang="he-IL" sz="1200" kern="1200" dirty="0" smtClean="0">
+                <a:solidFill>
+                  <a:schemeClr val="tx1"/>
+                </a:solidFill>
+                <a:latin typeface="+mn-lt"/>
+                <a:ea typeface="+mn-ea"/>
+                <a:cs typeface="+mn-cs"/>
+              </a:rPr>
+              <a:t>בשורה של </a:t>
+            </a:r>
+            <a:r>
+              <a:rPr lang="en-US" sz="1200" kern="1200" dirty="0" smtClean="0">
+                <a:solidFill>
+                  <a:schemeClr val="tx1"/>
+                </a:solidFill>
+                <a:latin typeface="+mn-lt"/>
+                <a:ea typeface="+mn-ea"/>
+                <a:cs typeface="+mn-cs"/>
+              </a:rPr>
+              <a:t>RAM</a:t>
+            </a:r>
+            <a:r>
+              <a:rPr lang="he-IL" sz="1200" kern="1200" dirty="0" smtClean="0">
+                <a:solidFill>
+                  <a:schemeClr val="tx1"/>
+                </a:solidFill>
+                <a:latin typeface="+mn-lt"/>
+                <a:ea typeface="+mn-ea"/>
+                <a:cs typeface="+mn-cs"/>
+              </a:rPr>
+              <a:t> נרשמים כל הביטים הראשונים של כל הסיגנלים. ההשמה היא מקבילית.</a:t>
+            </a:r>
+            <a:endParaRPr lang="en-US" sz="1200" kern="1200" dirty="0" smtClean="0">
+              <a:solidFill>
+                <a:schemeClr val="tx1"/>
+              </a:solidFill>
+              <a:latin typeface="+mn-lt"/>
+              <a:ea typeface="+mn-ea"/>
+              <a:cs typeface="+mn-cs"/>
+            </a:endParaRPr>
+          </a:p>
+          <a:p>
+            <a:pPr rtl="1"/>
+            <a:r>
+              <a:rPr lang="he-IL" sz="1200" kern="1200" dirty="0" smtClean="0">
+                <a:solidFill>
+                  <a:schemeClr val="tx1"/>
+                </a:solidFill>
+                <a:latin typeface="+mn-lt"/>
+                <a:ea typeface="+mn-ea"/>
+                <a:cs typeface="+mn-cs"/>
+              </a:rPr>
+              <a:t>נניח וצריך לשמור יותר מידע מהמקום שיש ב</a:t>
+            </a:r>
+            <a:r>
+              <a:rPr lang="en-US" sz="1200" kern="1200" dirty="0" smtClean="0">
+                <a:solidFill>
+                  <a:schemeClr val="tx1"/>
+                </a:solidFill>
+                <a:latin typeface="+mn-lt"/>
+                <a:ea typeface="+mn-ea"/>
+                <a:cs typeface="+mn-cs"/>
+              </a:rPr>
+              <a:t>RAM</a:t>
+            </a:r>
+            <a:r>
+              <a:rPr lang="he-IL" sz="1200" kern="1200" dirty="0" smtClean="0">
+                <a:solidFill>
+                  <a:schemeClr val="tx1"/>
+                </a:solidFill>
+                <a:latin typeface="+mn-lt"/>
+                <a:ea typeface="+mn-ea"/>
+                <a:cs typeface="+mn-cs"/>
+              </a:rPr>
+              <a:t>, אם יש 10 סיגנלים להקלטה </a:t>
+            </a:r>
+            <a:r>
+              <a:rPr lang="he-IL" sz="1200" kern="1200" dirty="0" err="1" smtClean="0">
+                <a:solidFill>
+                  <a:schemeClr val="tx1"/>
+                </a:solidFill>
+                <a:latin typeface="+mn-lt"/>
+                <a:ea typeface="+mn-ea"/>
+                <a:cs typeface="+mn-cs"/>
+              </a:rPr>
+              <a:t>וה</a:t>
+            </a:r>
+            <a:r>
+              <a:rPr lang="en-US" sz="1200" kern="1200" dirty="0" smtClean="0">
+                <a:solidFill>
+                  <a:schemeClr val="tx1"/>
+                </a:solidFill>
+                <a:latin typeface="+mn-lt"/>
+                <a:ea typeface="+mn-ea"/>
+                <a:cs typeface="+mn-cs"/>
+              </a:rPr>
+              <a:t>WIDTH</a:t>
+            </a:r>
+            <a:r>
+              <a:rPr lang="he-IL" sz="1200" kern="1200" dirty="0" smtClean="0">
+                <a:solidFill>
+                  <a:schemeClr val="tx1"/>
+                </a:solidFill>
+                <a:latin typeface="+mn-lt"/>
+                <a:ea typeface="+mn-ea"/>
+                <a:cs typeface="+mn-cs"/>
+              </a:rPr>
+              <a:t> הוא 8 נצטרך 2 </a:t>
+            </a:r>
+            <a:r>
+              <a:rPr lang="en-US" sz="1200" kern="1200" dirty="0" smtClean="0">
+                <a:solidFill>
+                  <a:schemeClr val="tx1"/>
+                </a:solidFill>
+                <a:latin typeface="+mn-lt"/>
+                <a:ea typeface="+mn-ea"/>
+                <a:cs typeface="+mn-cs"/>
+              </a:rPr>
+              <a:t>RAM</a:t>
+            </a:r>
+            <a:r>
+              <a:rPr lang="he-IL" sz="1200" kern="1200" dirty="0" smtClean="0">
+                <a:solidFill>
+                  <a:schemeClr val="tx1"/>
+                </a:solidFill>
+                <a:latin typeface="+mn-lt"/>
+                <a:ea typeface="+mn-ea"/>
+                <a:cs typeface="+mn-cs"/>
+              </a:rPr>
+              <a:t> במקביל</a:t>
+            </a:r>
+            <a:endParaRPr lang="en-US" sz="1200" kern="1200" dirty="0" smtClean="0">
+              <a:solidFill>
+                <a:schemeClr val="tx1"/>
+              </a:solidFill>
+              <a:latin typeface="+mn-lt"/>
+              <a:ea typeface="+mn-ea"/>
+              <a:cs typeface="+mn-cs"/>
+            </a:endParaRPr>
+          </a:p>
+          <a:p>
+            <a:endParaRPr lang="he-IL" dirty="0"/>
+          </a:p>
+        </p:txBody>
+      </p:sp>
+      <p:sp>
+        <p:nvSpPr>
+          <p:cNvPr id="4" name="מציין מיקום של מספר שקופית 3"/>
+          <p:cNvSpPr>
+            <a:spLocks noGrp="1"/>
+          </p:cNvSpPr>
+          <p:nvPr>
+            <p:ph type="sldNum" sz="quarter" idx="10"/>
+          </p:nvPr>
+        </p:nvSpPr>
+        <p:spPr/>
+        <p:txBody>
+          <a:bodyPr/>
+          <a:lstStyle/>
+          <a:p>
+            <a:fld id="{3BE12DF1-E6F7-48A8-8BB2-0CD08F5C1D5D}" type="slidenum">
+              <a:rPr lang="he-IL" smtClean="0"/>
+              <a:pPr/>
+              <a:t>13</a:t>
+            </a:fld>
+            <a:endParaRPr lang="he-IL"/>
+          </a:p>
+        </p:txBody>
+      </p:sp>
+    </p:spTree>
+  </p:cSld>
+  <p:clrMapOvr>
+    <a:masterClrMapping/>
+  </p:clrMapOvr>
+</p:notes>
+</file>
+
+<file path=ppt/notesSlides/notesSlide12.xml><?xml version="1.0" encoding="utf-8"?>
+<p:notes xmlns:a="http://schemas.openxmlformats.org/drawingml/2006/main" xmlns:r="http://schemas.openxmlformats.org/officeDocument/2006/relationships" xmlns:p="http://schemas.openxmlformats.org/presentationml/2006/main">
+  <p:cSld>
+    <p:spTree>
+      <p:nvGrpSpPr>
+        <p:cNvPr id="1" name=""/>
+        <p:cNvGrpSpPr/>
+        <p:nvPr/>
+      </p:nvGrpSpPr>
+      <p:grpSpPr>
+        <a:xfrm>
+          <a:off x="0" y="0"/>
+          <a:ext cx="0" cy="0"/>
+          <a:chOff x="0" y="0"/>
+          <a:chExt cx="0" cy="0"/>
+        </a:xfrm>
+      </p:grpSpPr>
+      <p:sp>
+        <p:nvSpPr>
+          <p:cNvPr id="2" name="מציין מיקום של תמונת שקופית 1"/>
+          <p:cNvSpPr>
+            <a:spLocks noGrp="1" noRot="1" noChangeAspect="1"/>
+          </p:cNvSpPr>
+          <p:nvPr>
+            <p:ph type="sldImg"/>
+          </p:nvPr>
+        </p:nvSpPr>
+        <p:spPr/>
+      </p:sp>
+      <p:sp>
+        <p:nvSpPr>
+          <p:cNvPr id="3" name="מציין מיקום של הערות 2"/>
+          <p:cNvSpPr>
+            <a:spLocks noGrp="1"/>
+          </p:cNvSpPr>
+          <p:nvPr>
+            <p:ph type="body" idx="1"/>
+          </p:nvPr>
+        </p:nvSpPr>
+        <p:spPr/>
+        <p:txBody>
+          <a:bodyPr>
+            <a:normAutofit/>
+          </a:bodyPr>
+          <a:lstStyle/>
+          <a:p>
+            <a:r>
+              <a:rPr lang="he-IL" dirty="0" smtClean="0"/>
+              <a:t>הסימולציות</a:t>
+            </a:r>
+            <a:r>
+              <a:rPr lang="he-IL" baseline="0" dirty="0" smtClean="0"/>
+              <a:t> נעשו ידנית </a:t>
+            </a:r>
+            <a:r>
+              <a:rPr lang="he-IL" baseline="0" dirty="0" err="1" smtClean="0"/>
+              <a:t>במודלסים</a:t>
+            </a:r>
+            <a:r>
+              <a:rPr lang="he-IL" baseline="0" dirty="0" smtClean="0"/>
+              <a:t>.</a:t>
+            </a:r>
+          </a:p>
+          <a:p>
+            <a:r>
+              <a:rPr lang="he-IL" baseline="0" dirty="0" smtClean="0"/>
+              <a:t>ה-</a:t>
+            </a:r>
+            <a:r>
+              <a:rPr lang="en-US" baseline="0" dirty="0" smtClean="0"/>
+              <a:t>generics</a:t>
+            </a:r>
+            <a:r>
+              <a:rPr lang="he-IL" baseline="0" dirty="0" smtClean="0"/>
+              <a:t> בערכי ה-</a:t>
+            </a:r>
+            <a:r>
+              <a:rPr lang="en-US" baseline="0" dirty="0" smtClean="0"/>
+              <a:t>default</a:t>
+            </a:r>
+            <a:r>
+              <a:rPr lang="he-IL" baseline="0" dirty="0" smtClean="0"/>
+              <a:t> שלהם </a:t>
+            </a:r>
+            <a:r>
+              <a:rPr lang="he-IL" baseline="0" dirty="0" err="1" smtClean="0"/>
+              <a:t>וסיגנלי</a:t>
+            </a:r>
+            <a:r>
+              <a:rPr lang="he-IL" baseline="0" dirty="0" smtClean="0"/>
+              <a:t> הכניסה שונו. </a:t>
+            </a:r>
+          </a:p>
+          <a:p>
+            <a:r>
+              <a:rPr lang="he-IL" baseline="0" dirty="0" smtClean="0"/>
+              <a:t>מבחן 1: עליית טריגר. </a:t>
+            </a:r>
+            <a:r>
+              <a:rPr lang="en-US" baseline="0" dirty="0" smtClean="0"/>
+              <a:t>Trigger position=‘0’</a:t>
+            </a:r>
+            <a:endParaRPr lang="he-IL" dirty="0"/>
+          </a:p>
+        </p:txBody>
+      </p:sp>
+      <p:sp>
+        <p:nvSpPr>
+          <p:cNvPr id="4" name="מציין מיקום של מספר שקופית 3"/>
+          <p:cNvSpPr>
+            <a:spLocks noGrp="1"/>
+          </p:cNvSpPr>
+          <p:nvPr>
+            <p:ph type="sldNum" sz="quarter" idx="10"/>
+          </p:nvPr>
+        </p:nvSpPr>
+        <p:spPr/>
+        <p:txBody>
+          <a:bodyPr/>
+          <a:lstStyle/>
+          <a:p>
+            <a:fld id="{3BE12DF1-E6F7-48A8-8BB2-0CD08F5C1D5D}" type="slidenum">
+              <a:rPr lang="he-IL" smtClean="0"/>
+              <a:pPr/>
+              <a:t>14</a:t>
+            </a:fld>
+            <a:endParaRPr lang="he-IL"/>
+          </a:p>
+        </p:txBody>
+      </p:sp>
+    </p:spTree>
+  </p:cSld>
+  <p:clrMapOvr>
+    <a:masterClrMapping/>
+  </p:clrMapOvr>
+</p:notes>
+</file>
+
+<file path=ppt/notesSlides/notesSlide13.xml><?xml version="1.0" encoding="utf-8"?>
+<p:notes xmlns:a="http://schemas.openxmlformats.org/drawingml/2006/main" xmlns:r="http://schemas.openxmlformats.org/officeDocument/2006/relationships" xmlns:p="http://schemas.openxmlformats.org/presentationml/2006/main">
+  <p:cSld>
+    <p:spTree>
+      <p:nvGrpSpPr>
+        <p:cNvPr id="1" name=""/>
+        <p:cNvGrpSpPr/>
+        <p:nvPr/>
+      </p:nvGrpSpPr>
+      <p:grpSpPr>
+        <a:xfrm>
+          <a:off x="0" y="0"/>
+          <a:ext cx="0" cy="0"/>
+          <a:chOff x="0" y="0"/>
+          <a:chExt cx="0" cy="0"/>
+        </a:xfrm>
+      </p:grpSpPr>
+      <p:sp>
+        <p:nvSpPr>
+          <p:cNvPr id="2" name="מציין מיקום של תמונת שקופית 1"/>
+          <p:cNvSpPr>
+            <a:spLocks noGrp="1" noRot="1" noChangeAspect="1"/>
+          </p:cNvSpPr>
+          <p:nvPr>
+            <p:ph type="sldImg"/>
+          </p:nvPr>
+        </p:nvSpPr>
+        <p:spPr/>
+      </p:sp>
+      <p:sp>
+        <p:nvSpPr>
+          <p:cNvPr id="3" name="מציין מיקום של הערות 2"/>
+          <p:cNvSpPr>
+            <a:spLocks noGrp="1"/>
+          </p:cNvSpPr>
+          <p:nvPr>
+            <p:ph type="body" idx="1"/>
+          </p:nvPr>
+        </p:nvSpPr>
+        <p:spPr/>
+        <p:txBody>
+          <a:bodyPr>
+            <a:normAutofit/>
+          </a:bodyPr>
+          <a:lstStyle/>
+          <a:p>
+            <a:r>
               <a:rPr lang="he-IL" dirty="0" smtClean="0"/>
               <a:t>עיגולים</a:t>
             </a:r>
@@ -683,6 +1243,50 @@
             <a:r>
               <a:rPr lang="he-IL" baseline="0" dirty="0" smtClean="0"/>
               <a:t> עבור מספר הדגימות שאנו צריכים לדגום, כלומר אם יש לנו את כתובת ההתחלה נחסיר ממנה כתובת אחת ונקבל את כתובת הסיום).</a:t>
+            </a:r>
+          </a:p>
+          <a:p>
+            <a:pPr algn="l" rtl="0"/>
+            <a:r>
+              <a:rPr lang="en-US" dirty="0" err="1" smtClean="0"/>
+              <a:t>signal_ram_depth_g</a:t>
+            </a:r>
+            <a:r>
+              <a:rPr lang="en-US" dirty="0" smtClean="0"/>
+              <a:t>=10					</a:t>
+            </a:r>
+          </a:p>
+          <a:p>
+            <a:pPr algn="l" rtl="0"/>
+            <a:r>
+              <a:rPr lang="en-US" dirty="0" err="1" smtClean="0"/>
+              <a:t>signal_ram_width_g</a:t>
+            </a:r>
+            <a:r>
+              <a:rPr lang="en-US" dirty="0" smtClean="0"/>
+              <a:t>=  8   	</a:t>
+            </a:r>
+          </a:p>
+          <a:p>
+            <a:pPr algn="l" rtl="0"/>
+            <a:r>
+              <a:rPr lang="en-US" dirty="0" err="1" smtClean="0"/>
+              <a:t>record_depth_g</a:t>
+            </a:r>
+            <a:r>
+              <a:rPr lang="en-US" dirty="0" smtClean="0"/>
+              <a:t>= 10					</a:t>
+            </a:r>
+          </a:p>
+          <a:p>
+            <a:pPr algn="l" rtl="0"/>
+            <a:r>
+              <a:rPr lang="en-US" dirty="0" err="1" smtClean="0"/>
+              <a:t>num_of_signals_g</a:t>
+            </a:r>
+            <a:r>
+              <a:rPr lang="en-US" dirty="0" smtClean="0"/>
+              <a:t>=8</a:t>
             </a:r>
             <a:endParaRPr lang="he-IL" dirty="0"/>
           </a:p>
@@ -720,7 +1324,225 @@
 </p:notes>
 </file>
 
-<file path=ppt/notesSlides/notesSlide11.xml><?xml version="1.0" encoding="utf-8"?>
+<file path=ppt/notesSlides/notesSlide14.xml><?xml version="1.0" encoding="utf-8"?>
+<p:notes xmlns:a="http://schemas.openxmlformats.org/drawingml/2006/main" xmlns:r="http://schemas.openxmlformats.org/officeDocument/2006/relationships" xmlns:p="http://schemas.openxmlformats.org/presentationml/2006/main">
+  <p:cSld>
+    <p:spTree>
+      <p:nvGrpSpPr>
+        <p:cNvPr id="1" name=""/>
+        <p:cNvGrpSpPr/>
+        <p:nvPr/>
+      </p:nvGrpSpPr>
+      <p:grpSpPr>
+        <a:xfrm>
+          <a:off x="0" y="0"/>
+          <a:ext cx="0" cy="0"/>
+          <a:chOff x="0" y="0"/>
+          <a:chExt cx="0" cy="0"/>
+        </a:xfrm>
+      </p:grpSpPr>
+      <p:sp>
+        <p:nvSpPr>
+          <p:cNvPr id="2" name="מציין מיקום של תמונת שקופית 1"/>
+          <p:cNvSpPr>
+            <a:spLocks noGrp="1" noRot="1" noChangeAspect="1"/>
+          </p:cNvSpPr>
+          <p:nvPr>
+            <p:ph type="sldImg"/>
+          </p:nvPr>
+        </p:nvSpPr>
+        <p:spPr/>
+      </p:sp>
+      <p:sp>
+        <p:nvSpPr>
+          <p:cNvPr id="3" name="מציין מיקום של הערות 2"/>
+          <p:cNvSpPr>
+            <a:spLocks noGrp="1"/>
+          </p:cNvSpPr>
+          <p:nvPr>
+            <p:ph type="body" idx="1"/>
+          </p:nvPr>
+        </p:nvSpPr>
+        <p:spPr/>
+        <p:txBody>
+          <a:bodyPr>
+            <a:normAutofit/>
+          </a:bodyPr>
+          <a:lstStyle/>
+          <a:p>
+            <a:r>
+              <a:rPr lang="he-IL" dirty="0" smtClean="0"/>
+              <a:t>בדוגמא</a:t>
+            </a:r>
+            <a:r>
+              <a:rPr lang="he-IL" baseline="0" dirty="0" smtClean="0"/>
+              <a:t> ניתן לראות עליית טריגר המוגדר כאפס- כלומר המערכת מחפשת שלושה מחזורי שעון בהם הטריגר בנמוך.</a:t>
+            </a:r>
+            <a:endParaRPr lang="he-IL" dirty="0"/>
+          </a:p>
+        </p:txBody>
+      </p:sp>
+      <p:sp>
+        <p:nvSpPr>
+          <p:cNvPr id="4" name="מציין מיקום של מספר שקופית 3"/>
+          <p:cNvSpPr>
+            <a:spLocks noGrp="1"/>
+          </p:cNvSpPr>
+          <p:nvPr>
+            <p:ph type="sldNum" sz="quarter" idx="10"/>
+          </p:nvPr>
+        </p:nvSpPr>
+        <p:spPr/>
+        <p:txBody>
+          <a:bodyPr/>
+          <a:lstStyle/>
+          <a:p>
+            <a:fld id="{3BE12DF1-E6F7-48A8-8BB2-0CD08F5C1D5D}" type="slidenum">
+              <a:rPr lang="he-IL" smtClean="0"/>
+              <a:pPr/>
+              <a:t>16</a:t>
+            </a:fld>
+            <a:endParaRPr lang="he-IL"/>
+          </a:p>
+        </p:txBody>
+      </p:sp>
+    </p:spTree>
+  </p:cSld>
+  <p:clrMapOvr>
+    <a:masterClrMapping/>
+  </p:clrMapOvr>
+</p:notes>
+</file>
+
+<file path=ppt/notesSlides/notesSlide15.xml><?xml version="1.0" encoding="utf-8"?>
+<p:notes xmlns:a="http://schemas.openxmlformats.org/drawingml/2006/main" xmlns:r="http://schemas.openxmlformats.org/officeDocument/2006/relationships" xmlns:p="http://schemas.openxmlformats.org/presentationml/2006/main">
+  <p:cSld>
+    <p:spTree>
+      <p:nvGrpSpPr>
+        <p:cNvPr id="1" name=""/>
+        <p:cNvGrpSpPr/>
+        <p:nvPr/>
+      </p:nvGrpSpPr>
+      <p:grpSpPr>
+        <a:xfrm>
+          <a:off x="0" y="0"/>
+          <a:ext cx="0" cy="0"/>
+          <a:chOff x="0" y="0"/>
+          <a:chExt cx="0" cy="0"/>
+        </a:xfrm>
+      </p:grpSpPr>
+      <p:sp>
+        <p:nvSpPr>
+          <p:cNvPr id="2" name="מציין מיקום של תמונת שקופית 1"/>
+          <p:cNvSpPr>
+            <a:spLocks noGrp="1" noRot="1" noChangeAspect="1"/>
+          </p:cNvSpPr>
+          <p:nvPr>
+            <p:ph type="sldImg"/>
+          </p:nvPr>
+        </p:nvSpPr>
+        <p:spPr/>
+      </p:sp>
+      <p:sp>
+        <p:nvSpPr>
+          <p:cNvPr id="3" name="מציין מיקום של הערות 2"/>
+          <p:cNvSpPr>
+            <a:spLocks noGrp="1"/>
+          </p:cNvSpPr>
+          <p:nvPr>
+            <p:ph type="body" idx="1"/>
+          </p:nvPr>
+        </p:nvSpPr>
+        <p:spPr/>
+        <p:txBody>
+          <a:bodyPr>
+            <a:normAutofit/>
+          </a:bodyPr>
+          <a:lstStyle/>
+          <a:p>
+            <a:r>
+              <a:rPr lang="he-IL" dirty="0" smtClean="0"/>
+              <a:t>דוגמא</a:t>
+            </a:r>
+            <a:r>
+              <a:rPr lang="he-IL" baseline="0" dirty="0" smtClean="0"/>
+              <a:t> ראשונה באה להראות את חישוב הכתובת הנכונה ואת זיהוי עליית הטריגר.</a:t>
+            </a:r>
+          </a:p>
+          <a:p>
+            <a:r>
+              <a:rPr lang="he-IL" baseline="0" dirty="0" smtClean="0"/>
+              <a:t>בדוגמא השנייה ניתן לראות כי שינינו את </a:t>
+            </a:r>
+            <a:r>
+              <a:rPr lang="en-US" baseline="0" dirty="0" smtClean="0"/>
+              <a:t>trigger position</a:t>
+            </a:r>
+            <a:r>
+              <a:rPr lang="he-IL" baseline="0" dirty="0" smtClean="0"/>
+              <a:t> לחמישים אחוז ולכן חישוב הכתובת היוצאת (</a:t>
+            </a:r>
+            <a:r>
+              <a:rPr lang="en-US" baseline="0" dirty="0" smtClean="0"/>
+              <a:t>RC</a:t>
+            </a:r>
+            <a:r>
+              <a:rPr lang="he-IL" baseline="0" dirty="0" smtClean="0"/>
+              <a:t>_</a:t>
+            </a:r>
+            <a:r>
+              <a:rPr lang="en-US" baseline="0" dirty="0" smtClean="0"/>
+              <a:t>TO</a:t>
+            </a:r>
+            <a:r>
+              <a:rPr lang="he-IL" baseline="0" dirty="0" smtClean="0"/>
+              <a:t>_</a:t>
+            </a:r>
+            <a:r>
+              <a:rPr lang="en-US" baseline="0" dirty="0" smtClean="0"/>
+              <a:t>WC</a:t>
+            </a:r>
+            <a:r>
+              <a:rPr lang="he-IL" baseline="0" dirty="0" smtClean="0"/>
+              <a:t>) מחושב בהתאם בשיהוי של 50 אחוז.</a:t>
+            </a:r>
+            <a:endParaRPr lang="he-IL" dirty="0"/>
+          </a:p>
+        </p:txBody>
+      </p:sp>
+      <p:sp>
+        <p:nvSpPr>
+          <p:cNvPr id="4" name="מציין מיקום של מספר שקופית 3"/>
+          <p:cNvSpPr>
+            <a:spLocks noGrp="1"/>
+          </p:cNvSpPr>
+          <p:nvPr>
+            <p:ph type="sldNum" sz="quarter" idx="10"/>
+          </p:nvPr>
+        </p:nvSpPr>
+        <p:spPr/>
+        <p:txBody>
+          <a:bodyPr/>
+          <a:lstStyle/>
+          <a:p>
+            <a:fld id="{3BE12DF1-E6F7-48A8-8BB2-0CD08F5C1D5D}" type="slidenum">
+              <a:rPr lang="he-IL" smtClean="0"/>
+              <a:pPr/>
+              <a:t>17</a:t>
+            </a:fld>
+            <a:endParaRPr lang="he-IL"/>
+          </a:p>
+        </p:txBody>
+      </p:sp>
+    </p:spTree>
+  </p:cSld>
+  <p:clrMapOvr>
+    <a:masterClrMapping/>
+  </p:clrMapOvr>
+</p:notes>
+</file>
+
+<file path=ppt/notesSlides/notesSlide16.xml><?xml version="1.0" encoding="utf-8"?>
 <p:notes xmlns:a="http://schemas.openxmlformats.org/drawingml/2006/main" xmlns:r="http://schemas.openxmlformats.org/officeDocument/2006/relationships" xmlns:p="http://schemas.openxmlformats.org/presentationml/2006/main">
   <p:cSld>
     <p:spTree>
@@ -786,7 +1608,7 @@
             <a:fld id="{44FE0EA5-5E12-4B54-89E3-9BF34CB31485}" type="slidenum">
               <a:rPr lang="he-IL" smtClean="0"/>
               <a:pPr/>
-              <a:t>17</a:t>
+              <a:t>18</a:t>
             </a:fld>
             <a:endParaRPr lang="he-IL"/>
           </a:p>
@@ -2794,7 +3616,110 @@
           <a:p>
             <a:r>
               <a:rPr lang="he-IL" baseline="0" dirty="0" smtClean="0"/>
-              <a:t>קיימים אצלנו (בינתיים) 4 רגיסטרים, כאשר ישנה אופציה להוסיף עוד לפי הצורך.</a:t>
+              <a:t>קיימים אצלנו (בינתיים) 4 רגיסטרים, כאשר ישנה </a:t>
+            </a:r>
+            <a:r>
+              <a:rPr lang="he-IL" baseline="0" dirty="0" smtClean="0"/>
+              <a:t>אופציה </a:t>
+            </a:r>
+            <a:r>
+              <a:rPr lang="he-IL" baseline="0" dirty="0" smtClean="0"/>
+              <a:t>להוסיף עוד לפי הצורך</a:t>
+            </a:r>
+            <a:r>
+              <a:rPr lang="he-IL" baseline="0" dirty="0" smtClean="0"/>
+              <a:t>.</a:t>
+            </a:r>
+          </a:p>
+          <a:p>
+            <a:pPr marL="228600" indent="-228600">
+              <a:buAutoNum type="arabicPeriod"/>
+            </a:pPr>
+            <a:r>
+              <a:rPr lang="en-US" baseline="0" dirty="0" smtClean="0"/>
+              <a:t>Trigger type</a:t>
+            </a:r>
+            <a:r>
+              <a:rPr lang="he-IL" baseline="0" dirty="0" smtClean="0"/>
+              <a:t>- מקבל ערכים בין 0-3. מגדיר את סוג הטריגר שאנו מחפשים(עליה,ירידה, '1','0'(במשך 3 מחזורי שעון)).</a:t>
+            </a:r>
+          </a:p>
+          <a:p>
+            <a:pPr marL="228600" indent="-228600">
+              <a:buAutoNum type="arabicPeriod"/>
+            </a:pPr>
+            <a:r>
+              <a:rPr lang="he-IL" dirty="0" smtClean="0"/>
+              <a:t>מיקום-מקבל ערכים בין 0-100. מגדיר</a:t>
+            </a:r>
+            <a:r>
+              <a:rPr lang="he-IL" baseline="0" dirty="0" smtClean="0"/>
+              <a:t> את אחוז המידע שיוקלט לפני עליית הטריגר.</a:t>
+            </a:r>
+          </a:p>
+          <a:p>
+            <a:pPr marL="228600" indent="-228600">
+              <a:buAutoNum type="arabicPeriod"/>
+            </a:pPr>
+            <a:r>
+              <a:rPr lang="en-US" baseline="0" dirty="0" err="1" smtClean="0"/>
+              <a:t>Clk</a:t>
+            </a:r>
+            <a:r>
+              <a:rPr lang="en-US" baseline="0" dirty="0" smtClean="0"/>
+              <a:t> to start</a:t>
+            </a:r>
+            <a:r>
+              <a:rPr lang="he-IL" baseline="0" dirty="0" smtClean="0"/>
+              <a:t>- מקבל ערכים בין 0-256. שומר את מספר מחזורי השעון שעברו מרגע אתחול המערכת ועד לעליית הטריגר.</a:t>
+            </a:r>
+          </a:p>
+          <a:p>
+            <a:pPr marL="228600" indent="-228600">
+              <a:buAutoNum type="arabicPeriod"/>
+            </a:pPr>
+            <a:r>
+              <a:rPr lang="he-IL" baseline="0" dirty="0" err="1" smtClean="0"/>
+              <a:t>איפשור</a:t>
+            </a:r>
+            <a:r>
+              <a:rPr lang="he-IL" baseline="0" dirty="0" smtClean="0"/>
+              <a:t>- אפס או אחד. מצב המערכת, הליבה  מתחילה לחפש עליית טריגר.</a:t>
+            </a:r>
+          </a:p>
+          <a:p>
+            <a:pPr marL="228600" indent="-228600">
+              <a:buAutoNum type="arabicPeriod"/>
+            </a:pPr>
+            <a:endParaRPr lang="he-IL" baseline="0" dirty="0" smtClean="0"/>
+          </a:p>
+          <a:p>
+            <a:pPr marL="228600" indent="-228600">
+              <a:buNone/>
+            </a:pPr>
+            <a:r>
+              <a:rPr lang="he-IL" baseline="0" dirty="0" smtClean="0"/>
+              <a:t>מקבלים קונפיגורציה מהמשתמש. ה</a:t>
+            </a:r>
+            <a:r>
+              <a:rPr lang="en-US" baseline="0" dirty="0" smtClean="0"/>
+              <a:t>enable –</a:t>
+            </a:r>
+            <a:r>
+              <a:rPr lang="he-IL" baseline="0" dirty="0" smtClean="0"/>
+              <a:t> עולה ל-'1'. </a:t>
+            </a:r>
+            <a:r>
+              <a:rPr lang="en-US" baseline="0" dirty="0" err="1" smtClean="0"/>
+              <a:t>Clk</a:t>
+            </a:r>
+            <a:r>
+              <a:rPr lang="en-US" baseline="0" dirty="0" smtClean="0"/>
+              <a:t> to start</a:t>
+            </a:r>
+            <a:r>
+              <a:rPr lang="he-IL" baseline="0" dirty="0" smtClean="0"/>
+              <a:t> מתחיל לספור מחזורי שעון עד לעליית טריגר.</a:t>
             </a:r>
             <a:endParaRPr lang="he-IL" dirty="0"/>
           </a:p>
@@ -2879,24 +3804,73 @@
           <a:lstStyle/>
           <a:p>
             <a:r>
+              <a:rPr lang="he-IL" dirty="0" smtClean="0"/>
+              <a:t>הכניסות הן הקונפיגורציות מהרגיסטרים והטריגר.</a:t>
+            </a:r>
+          </a:p>
+          <a:p>
+            <a:r>
+              <a:rPr lang="he-IL" dirty="0" err="1" smtClean="0"/>
+              <a:t>היציאון</a:t>
+            </a:r>
+            <a:r>
+              <a:rPr lang="he-IL" baseline="0" dirty="0" smtClean="0"/>
+              <a:t> הן הכתובות של המידע הרלוונטי.</a:t>
+            </a:r>
+          </a:p>
+          <a:p>
+            <a:r>
               <a:rPr lang="he-IL" baseline="0" dirty="0" smtClean="0"/>
               <a:t>ה-</a:t>
             </a:r>
             <a:r>
               <a:rPr lang="en-US" baseline="0" dirty="0" smtClean="0"/>
+              <a:t>WC</a:t>
+            </a:r>
+            <a:r>
+              <a:rPr lang="he-IL" baseline="0" dirty="0" smtClean="0"/>
+              <a:t> מחשב את הכתובת של המידע הרלוונטי ושולח אותו ל-</a:t>
+            </a:r>
+            <a:r>
+              <a:rPr lang="en-US" baseline="0" dirty="0" smtClean="0"/>
               <a:t>RC</a:t>
             </a:r>
             <a:r>
               <a:rPr lang="he-IL" baseline="0" dirty="0" smtClean="0"/>
-              <a:t> מקבל את כתובת ההתחלה והסיום של המידע הרלבנטי שצריך </a:t>
-            </a:r>
+              <a:t>.</a:t>
+            </a:r>
+          </a:p>
+          <a:p>
+            <a:endParaRPr lang="he-IL" baseline="0" dirty="0" smtClean="0"/>
+          </a:p>
+          <a:p>
             <a:r>
               <a:rPr lang="he-IL" baseline="0" dirty="0" err="1" smtClean="0"/>
-              <a:t>להשלח</a:t>
+              <a:t>דיאגרמת</a:t>
             </a:r>
             <a:r>
               <a:rPr lang="he-IL" baseline="0" dirty="0" smtClean="0"/>
-              <a:t> חזרה למשתמש. בכל מחזור שעון, נשלחת כתובת של מידע ל-</a:t>
+              <a:t> הבלוקים:</a:t>
+            </a:r>
+          </a:p>
+          <a:p>
+            <a:r>
+              <a:rPr lang="he-IL" baseline="0" dirty="0" smtClean="0"/>
+              <a:t>בכל מחזור שעון מתקבלים מידע וטריגר חדש.</a:t>
+            </a:r>
+          </a:p>
+          <a:p>
+            <a:r>
+              <a:rPr lang="he-IL" baseline="0" dirty="0" smtClean="0"/>
+              <a:t>ה-</a:t>
+            </a:r>
+            <a:r>
+              <a:rPr lang="en-US" baseline="0" dirty="0" smtClean="0"/>
+              <a:t>WC</a:t>
+            </a:r>
+            <a:r>
+              <a:rPr lang="he-IL" baseline="0" dirty="0" smtClean="0"/>
+              <a:t> מחשב את הכתובות הנוכחיות ושולח אותן ל-</a:t>
             </a:r>
             <a:r>
               <a:rPr lang="en-US" baseline="0" dirty="0" smtClean="0"/>
@@ -2904,15 +3878,39 @@
             </a:r>
             <a:r>
               <a:rPr lang="he-IL" baseline="0" dirty="0" smtClean="0"/>
-              <a:t>, ומתקבלת "מילה" מה-</a:t>
+              <a:t>.</a:t>
+            </a:r>
+          </a:p>
+          <a:p>
+            <a:r>
+              <a:rPr lang="he-IL" baseline="0" dirty="0" smtClean="0"/>
+              <a:t> ה-</a:t>
             </a:r>
             <a:r>
               <a:rPr lang="en-US" baseline="0" dirty="0" smtClean="0"/>
-              <a:t>RAM</a:t>
+              <a:t>ALU trigger</a:t>
             </a:r>
             <a:r>
               <a:rPr lang="he-IL" baseline="0" dirty="0" smtClean="0"/>
-              <a:t>. </a:t>
+              <a:t> משווה את הטריגר לקונפיגורציות הרלוונטיות.</a:t>
+            </a:r>
+          </a:p>
+          <a:p>
+            <a:r>
+              <a:rPr lang="he-IL" dirty="0" smtClean="0"/>
+              <a:t>אם</a:t>
+            </a:r>
+            <a:r>
+              <a:rPr lang="he-IL" baseline="0" dirty="0" smtClean="0"/>
+              <a:t> מצאנו עליית טריגר, נעלה את ה-"</a:t>
+            </a:r>
+            <a:r>
+              <a:rPr lang="en-US" baseline="0" dirty="0" smtClean="0"/>
+              <a:t>trigger found</a:t>
+            </a:r>
+            <a:r>
+              <a:rPr lang="he-IL" baseline="0" dirty="0" smtClean="0"/>
+              <a:t>" למשך מחזור אחד.</a:t>
             </a:r>
             <a:endParaRPr lang="he-IL" dirty="0"/>
           </a:p>
@@ -2936,7 +3934,7 @@
             <a:fld id="{3BE12DF1-E6F7-48A8-8BB2-0CD08F5C1D5D}" type="slidenum">
               <a:rPr lang="he-IL" smtClean="0"/>
               <a:pPr/>
-              <a:t>12</a:t>
+              <a:t>11</a:t>
             </a:fld>
             <a:endParaRPr lang="he-IL"/>
           </a:p>
@@ -3132,7 +4130,7 @@
             <a:fld id="{CD54148F-F639-44D7-A8A6-0B44E8A6671C}" type="datetimeFigureOut">
               <a:rPr lang="he-IL" smtClean="0"/>
               <a:pPr/>
-              <a:t>כ"ד/ניסן/תשע"ג</a:t>
+              <a:t>כ"ט/ניסן/תשע"ג</a:t>
             </a:fld>
             <a:endParaRPr lang="he-IL"/>
           </a:p>
@@ -3299,7 +4297,7 @@
             <a:fld id="{CD54148F-F639-44D7-A8A6-0B44E8A6671C}" type="datetimeFigureOut">
               <a:rPr lang="he-IL" smtClean="0"/>
               <a:pPr/>
-              <a:t>כ"ד/ניסן/תשע"ג</a:t>
+              <a:t>כ"ט/ניסן/תשע"ג</a:t>
             </a:fld>
             <a:endParaRPr lang="he-IL"/>
           </a:p>
@@ -3476,7 +4474,7 @@
             <a:fld id="{CD54148F-F639-44D7-A8A6-0B44E8A6671C}" type="datetimeFigureOut">
               <a:rPr lang="he-IL" smtClean="0"/>
               <a:pPr/>
-              <a:t>כ"ד/ניסן/תשע"ג</a:t>
+              <a:t>כ"ט/ניסן/תשע"ג</a:t>
             </a:fld>
             <a:endParaRPr lang="he-IL"/>
           </a:p>
@@ -3643,7 +4641,7 @@
             <a:fld id="{CD54148F-F639-44D7-A8A6-0B44E8A6671C}" type="datetimeFigureOut">
               <a:rPr lang="he-IL" smtClean="0"/>
               <a:pPr/>
-              <a:t>כ"ד/ניסן/תשע"ג</a:t>
+              <a:t>כ"ט/ניסן/תשע"ג</a:t>
             </a:fld>
             <a:endParaRPr lang="he-IL"/>
           </a:p>
@@ -3886,7 +4884,7 @@
             <a:fld id="{CD54148F-F639-44D7-A8A6-0B44E8A6671C}" type="datetimeFigureOut">
               <a:rPr lang="he-IL" smtClean="0"/>
               <a:pPr/>
-              <a:t>כ"ד/ניסן/תשע"ג</a:t>
+              <a:t>כ"ט/ניסן/תשע"ג</a:t>
             </a:fld>
             <a:endParaRPr lang="he-IL"/>
           </a:p>
@@ -4171,7 +5169,7 @@
             <a:fld id="{CD54148F-F639-44D7-A8A6-0B44E8A6671C}" type="datetimeFigureOut">
               <a:rPr lang="he-IL" smtClean="0"/>
               <a:pPr/>
-              <a:t>כ"ד/ניסן/תשע"ג</a:t>
+              <a:t>כ"ט/ניסן/תשע"ג</a:t>
             </a:fld>
             <a:endParaRPr lang="he-IL"/>
           </a:p>
@@ -4590,7 +5588,7 @@
             <a:fld id="{CD54148F-F639-44D7-A8A6-0B44E8A6671C}" type="datetimeFigureOut">
               <a:rPr lang="he-IL" smtClean="0"/>
               <a:pPr/>
-              <a:t>כ"ד/ניסן/תשע"ג</a:t>
+              <a:t>כ"ט/ניסן/תשע"ג</a:t>
             </a:fld>
             <a:endParaRPr lang="he-IL"/>
           </a:p>
@@ -4705,7 +5703,7 @@
             <a:fld id="{CD54148F-F639-44D7-A8A6-0B44E8A6671C}" type="datetimeFigureOut">
               <a:rPr lang="he-IL" smtClean="0"/>
               <a:pPr/>
-              <a:t>כ"ד/ניסן/תשע"ג</a:t>
+              <a:t>כ"ט/ניסן/תשע"ג</a:t>
             </a:fld>
             <a:endParaRPr lang="he-IL"/>
           </a:p>
@@ -4797,7 +5795,7 @@
             <a:fld id="{CD54148F-F639-44D7-A8A6-0B44E8A6671C}" type="datetimeFigureOut">
               <a:rPr lang="he-IL" smtClean="0"/>
               <a:pPr/>
-              <a:t>כ"ד/ניסן/תשע"ג</a:t>
+              <a:t>כ"ט/ניסן/תשע"ג</a:t>
             </a:fld>
             <a:endParaRPr lang="he-IL"/>
           </a:p>
@@ -5071,7 +6069,7 @@
             <a:fld id="{CD54148F-F639-44D7-A8A6-0B44E8A6671C}" type="datetimeFigureOut">
               <a:rPr lang="he-IL" smtClean="0"/>
               <a:pPr/>
-              <a:t>כ"ד/ניסן/תשע"ג</a:t>
+              <a:t>כ"ט/ניסן/תשע"ג</a:t>
             </a:fld>
             <a:endParaRPr lang="he-IL"/>
           </a:p>
@@ -5321,7 +6319,7 @@
             <a:fld id="{CD54148F-F639-44D7-A8A6-0B44E8A6671C}" type="datetimeFigureOut">
               <a:rPr lang="he-IL" smtClean="0"/>
               <a:pPr/>
-              <a:t>כ"ד/ניסן/תשע"ג</a:t>
+              <a:t>כ"ט/ניסן/תשע"ג</a:t>
             </a:fld>
             <a:endParaRPr lang="he-IL"/>
           </a:p>
@@ -5540,7 +6538,7 @@
             <a:fld id="{CD54148F-F639-44D7-A8A6-0B44E8A6671C}" type="datetimeFigureOut">
               <a:rPr lang="he-IL" smtClean="0"/>
               <a:pPr/>
-              <a:t>כ"ד/ניסן/תשע"ג</a:t>
+              <a:t>כ"ט/ניסן/תשע"ג</a:t>
             </a:fld>
             <a:endParaRPr lang="he-IL"/>
           </a:p>
@@ -6299,7 +7297,7 @@
         </p:nvSpPr>
         <p:spPr>
           <a:xfrm>
-            <a:off x="485804" y="1214422"/>
+            <a:off x="467544" y="1268760"/>
             <a:ext cx="8229600" cy="2043113"/>
           </a:xfrm>
           <a:prstGeom prst="rect">
@@ -6389,38 +7387,8 @@
               <a:defRPr/>
             </a:pPr>
             <a:r>
-              <a:rPr kumimoji="0" lang="en-US" sz="1700" b="0" i="0" u="none" strike="noStrike" kern="1200" cap="none" spc="0" normalizeH="0" baseline="0" noProof="0" dirty="0" smtClean="0">
-                <a:ln>
-                  <a:noFill/>
-                </a:ln>
-                <a:solidFill>
-                  <a:schemeClr val="tx1"/>
-                </a:solidFill>
-                <a:effectLst/>
-                <a:uLnTx/>
-                <a:uFillTx/>
-                <a:latin typeface="+mn-lt"/>
-                <a:ea typeface="+mn-ea"/>
-                <a:cs typeface="+mn-cs"/>
-              </a:rPr>
-              <a:t>At the end,</a:t>
-            </a:r>
-            <a:r>
-              <a:rPr kumimoji="0" lang="en-US" sz="1700" b="0" i="0" u="none" strike="noStrike" kern="1200" cap="none" spc="0" normalizeH="0" noProof="0" dirty="0" smtClean="0">
-                <a:ln>
-                  <a:noFill/>
-                </a:ln>
-                <a:solidFill>
-                  <a:schemeClr val="tx1"/>
-                </a:solidFill>
-                <a:effectLst/>
-                <a:uLnTx/>
-                <a:uFillTx/>
-                <a:latin typeface="+mn-lt"/>
-                <a:ea typeface="+mn-ea"/>
-                <a:cs typeface="+mn-cs"/>
-              </a:rPr>
-              <a:t> after we have found trigger rise we update </a:t>
+              <a:rPr lang="en-US" sz="1700" dirty="0" smtClean="0"/>
+              <a:t>From now  we raise by one ‘</a:t>
             </a:r>
             <a:r>
               <a:rPr kumimoji="0" lang="en-US" sz="1700" b="0" i="0" u="none" strike="noStrike" kern="1200" cap="none" spc="0" normalizeH="0" noProof="0" dirty="0" err="1" smtClean="0">
@@ -6454,7 +7422,7 @@
                 <a:ea typeface="+mn-ea"/>
                 <a:cs typeface="+mn-cs"/>
               </a:rPr>
-              <a:t> to start in every cycle.</a:t>
+              <a:t> to start’ in every cycle until trigger rise.</a:t>
             </a:r>
             <a:endParaRPr kumimoji="0" lang="he-IL" sz="1700" b="0" i="0" u="none" strike="noStrike" kern="1200" cap="none" spc="0" normalizeH="0" baseline="0" noProof="0" dirty="0">
               <a:ln>
@@ -8366,7 +9334,7 @@
         </p:nvSpPr>
         <p:spPr>
           <a:xfrm>
-            <a:off x="428596" y="1357298"/>
+            <a:off x="611560" y="1484784"/>
             <a:ext cx="7786742" cy="1569660"/>
           </a:xfrm>
           <a:prstGeom prst="rect">
@@ -8441,7 +9409,7 @@
           <p:nvPr/>
         </p:nvPicPr>
         <p:blipFill>
-          <a:blip r:embed="rId2" cstate="print"/>
+          <a:blip r:embed="rId3" cstate="print"/>
           <a:srcRect/>
           <a:stretch>
             <a:fillRect/>
@@ -10365,7 +11333,7 @@
         </p:nvSpPr>
         <p:spPr>
           <a:xfrm>
-            <a:off x="467544" y="1428736"/>
+            <a:off x="179512" y="1412776"/>
             <a:ext cx="8286808" cy="2000548"/>
           </a:xfrm>
           <a:prstGeom prst="rect">
@@ -11733,7 +12701,7 @@
           <p:nvPr/>
         </p:nvPicPr>
         <p:blipFill>
-          <a:blip r:embed="rId3" cstate="print"/>
+          <a:blip r:embed="rId4" cstate="print"/>
           <a:srcRect/>
           <a:stretch>
             <a:fillRect/>
@@ -12063,7 +13031,7 @@
         </p:xfrm>
         <a:graphic>
           <a:graphicData uri="http://schemas.openxmlformats.org/presentationml/2006/ole">
-            <p:oleObj spid="_x0000_s1027" name="Equation" r:id="rId4" imgW="4330440" imgH="457200" progId="Equation.DSMT4">
+            <p:oleObj spid="_x0000_s1027" name="Equation" r:id="rId5" imgW="4330440" imgH="457200" progId="Equation.DSMT4">
               <p:embed/>
             </p:oleObj>
           </a:graphicData>
@@ -12332,7 +13300,7 @@
         </p:xfrm>
         <a:graphic>
           <a:graphicData uri="http://schemas.openxmlformats.org/presentationml/2006/ole">
-            <p:oleObj spid="_x0000_s1028" name="Equation" r:id="rId5" imgW="1841400" imgH="431640" progId="Equation.DSMT4">
+            <p:oleObj spid="_x0000_s1028" name="Equation" r:id="rId6" imgW="1841400" imgH="431640" progId="Equation.DSMT4">
               <p:embed/>
             </p:oleObj>
           </a:graphicData>
@@ -12435,7 +13403,7 @@
                       <a:pPr rtl="1"/>
                       <a:r>
                         <a:rPr lang="en-US" dirty="0" smtClean="0"/>
-                        <a:t>s1</a:t>
+                        <a:t>s3</a:t>
                       </a:r>
                       <a:endParaRPr lang="he-IL" dirty="0"/>
                     </a:p>
@@ -12470,7 +13438,7 @@
                       </a:pPr>
                       <a:r>
                         <a:rPr lang="en-US" dirty="0" smtClean="0"/>
-                        <a:t>s1</a:t>
+                        <a:t>s2</a:t>
                       </a:r>
                       <a:endParaRPr lang="he-IL" dirty="0" smtClean="0"/>
                     </a:p>
@@ -12529,7 +13497,7 @@
                       <a:pPr rtl="1"/>
                       <a:r>
                         <a:rPr lang="en-US" dirty="0" smtClean="0"/>
-                        <a:t>s2</a:t>
+                        <a:t>s3</a:t>
                       </a:r>
                       <a:endParaRPr lang="he-IL" dirty="0"/>
                     </a:p>
@@ -12567,7 +13535,7 @@
                       <a:pPr rtl="1"/>
                       <a:r>
                         <a:rPr lang="en-US" dirty="0" smtClean="0"/>
-                        <a:t>s2</a:t>
+                        <a:t>s1</a:t>
                       </a:r>
                       <a:endParaRPr lang="he-IL" dirty="0"/>
                     </a:p>
@@ -12618,7 +13586,7 @@
                       <a:pPr rtl="1"/>
                       <a:r>
                         <a:rPr lang="en-US" dirty="0" smtClean="0"/>
-                        <a:t>s3</a:t>
+                        <a:t>s2</a:t>
                       </a:r>
                       <a:endParaRPr lang="he-IL" dirty="0"/>
                     </a:p>
@@ -12637,7 +13605,7 @@
                       <a:pPr rtl="1"/>
                       <a:r>
                         <a:rPr lang="en-US" dirty="0" smtClean="0"/>
-                        <a:t>s3</a:t>
+                        <a:t>s1</a:t>
                       </a:r>
                       <a:endParaRPr lang="he-IL" dirty="0"/>
                     </a:p>
@@ -12831,7 +13799,7 @@
                       <a:pPr rtl="1"/>
                       <a:r>
                         <a:rPr lang="en-US" dirty="0" smtClean="0"/>
-                        <a:t>s1</a:t>
+                        <a:t>s4</a:t>
                       </a:r>
                       <a:endParaRPr lang="he-IL" dirty="0"/>
                     </a:p>
@@ -12941,7 +13909,7 @@
                       <a:pPr rtl="1"/>
                       <a:r>
                         <a:rPr lang="en-US" dirty="0" smtClean="0"/>
-                        <a:t>s2</a:t>
+                        <a:t>s4</a:t>
                       </a:r>
                       <a:endParaRPr lang="he-IL" dirty="0"/>
                     </a:p>
@@ -13043,7 +14011,7 @@
                       <a:pPr rtl="1"/>
                       <a:r>
                         <a:rPr lang="en-US" dirty="0" smtClean="0"/>
-                        <a:t>s3</a:t>
+                        <a:t>s4</a:t>
                       </a:r>
                       <a:endParaRPr lang="he-IL" dirty="0"/>
                     </a:p>
@@ -13167,7 +14135,7 @@
                       <a:pPr rtl="1"/>
                       <a:r>
                         <a:rPr lang="en-US" dirty="0" smtClean="0"/>
-                        <a:t>s4</a:t>
+                        <a:t>s3</a:t>
                       </a:r>
                       <a:endParaRPr lang="he-IL" dirty="0"/>
                     </a:p>
@@ -13202,7 +14170,7 @@
                       </a:pPr>
                       <a:r>
                         <a:rPr lang="en-US" dirty="0" smtClean="0"/>
-                        <a:t>s4</a:t>
+                        <a:t>s2</a:t>
                       </a:r>
                       <a:endParaRPr lang="he-IL" dirty="0" smtClean="0"/>
                     </a:p>
@@ -13221,7 +14189,7 @@
                       <a:pPr rtl="1"/>
                       <a:r>
                         <a:rPr lang="en-US" dirty="0" smtClean="0"/>
-                        <a:t>s4</a:t>
+                        <a:t>s1</a:t>
                       </a:r>
                       <a:endParaRPr lang="he-IL" dirty="0"/>
                     </a:p>
@@ -14657,9 +15625,9 @@
                   <a:schemeClr val="accent2"/>
                 </a:solidFill>
               </a:rPr>
-              <a:t>First signal</a:t>
-            </a:r>
-            <a:endParaRPr lang="he-IL" dirty="0">
+              <a:t>First “word”</a:t>
+            </a:r>
+            <a:endParaRPr lang="he-IL" dirty="0" smtClean="0">
               <a:solidFill>
                 <a:schemeClr val="accent2"/>
               </a:solidFill>
@@ -14696,7 +15664,7 @@
                   <a:schemeClr val="accent2"/>
                 </a:solidFill>
               </a:rPr>
-              <a:t>First “word”</a:t>
+              <a:t>First signal</a:t>
             </a:r>
             <a:endParaRPr lang="he-IL" dirty="0">
               <a:solidFill>
@@ -17889,7 +18857,7 @@
         </p:nvSpPr>
         <p:spPr>
           <a:xfrm>
-            <a:off x="683568" y="1211268"/>
+            <a:off x="467544" y="1700808"/>
             <a:ext cx="7272808" cy="1569660"/>
           </a:xfrm>
           <a:prstGeom prst="rect">
@@ -17913,22 +18881,14 @@
             <a:pPr algn="l" rtl="0"/>
             <a:r>
               <a:rPr lang="en-US" sz="3200" dirty="0" smtClean="0"/>
-              <a:t>	</a:t>
-            </a:r>
-            <a:r>
-              <a:rPr lang="en-US" sz="3200" dirty="0" smtClean="0"/>
-              <a:t> trigger rise.</a:t>
+              <a:t>	 trigger rise.</a:t>
             </a:r>
           </a:p>
           <a:p>
             <a:pPr algn="l" rtl="0"/>
             <a:r>
               <a:rPr lang="en-US" sz="3200" dirty="0" smtClean="0"/>
-              <a:t>	</a:t>
-            </a:r>
-            <a:r>
-              <a:rPr lang="en-US" sz="3200" dirty="0" smtClean="0"/>
-              <a:t> trigger position is 0.  </a:t>
+              <a:t>	 trigger position is 0.  </a:t>
             </a:r>
             <a:endParaRPr lang="he-IL" sz="3200" dirty="0"/>
           </a:p>
@@ -19601,11 +20561,7 @@
             <a:pPr algn="l" rtl="0"/>
             <a:r>
               <a:rPr lang="en-US" sz="3200" dirty="0" smtClean="0"/>
-              <a:t>	</a:t>
-            </a:r>
-            <a:r>
-              <a:rPr lang="en-US" sz="3200" dirty="0" smtClean="0"/>
-              <a:t> trigger types:</a:t>
+              <a:t>	 trigger types:</a:t>
             </a:r>
           </a:p>
           <a:p>
@@ -19614,11 +20570,7 @@
             </a:pPr>
             <a:r>
               <a:rPr lang="en-US" dirty="0" smtClean="0"/>
-              <a:t>	</a:t>
-            </a:r>
-            <a:r>
-              <a:rPr lang="en-US" dirty="0" smtClean="0"/>
-              <a:t>			</a:t>
+              <a:t>				</a:t>
             </a:r>
             <a:r>
               <a:rPr lang="en-US" sz="3200" dirty="0" smtClean="0"/>
@@ -19631,11 +20583,7 @@
             </a:pPr>
             <a:r>
               <a:rPr lang="en-US" dirty="0" smtClean="0"/>
-              <a:t>	</a:t>
-            </a:r>
-            <a:r>
-              <a:rPr lang="en-US" dirty="0" smtClean="0"/>
-              <a:t>			    Second trigger is ones.</a:t>
+              <a:t>				    Second trigger is ones.</a:t>
             </a:r>
             <a:r>
               <a:rPr lang="en-US" sz="3200" dirty="0" smtClean="0"/>
@@ -19654,7 +20602,7 @@
           <p:nvPr/>
         </p:nvPicPr>
         <p:blipFill>
-          <a:blip r:embed="rId2" cstate="print"/>
+          <a:blip r:embed="rId3" cstate="print"/>
           <a:srcRect/>
           <a:stretch>
             <a:fillRect/>
@@ -19910,7 +20858,7 @@
           <p:nvPr/>
         </p:nvPicPr>
         <p:blipFill>
-          <a:blip r:embed="rId3" cstate="print"/>
+          <a:blip r:embed="rId4" cstate="print"/>
           <a:srcRect/>
           <a:stretch>
             <a:fillRect/>
@@ -20662,6 +21610,1372 @@
 </file>
 
 <file path=ppt/slides/slide17.xml><?xml version="1.0" encoding="utf-8"?>
+<p:sld xmlns:a="http://schemas.openxmlformats.org/drawingml/2006/main" xmlns:r="http://schemas.openxmlformats.org/officeDocument/2006/relationships" xmlns:p="http://schemas.openxmlformats.org/presentationml/2006/main">
+  <p:cSld>
+    <p:spTree>
+      <p:nvGrpSpPr>
+        <p:cNvPr id="1" name=""/>
+        <p:cNvGrpSpPr/>
+        <p:nvPr/>
+      </p:nvGrpSpPr>
+      <p:grpSpPr>
+        <a:xfrm>
+          <a:off x="0" y="0"/>
+          <a:ext cx="0" cy="0"/>
+          <a:chOff x="0" y="0"/>
+          <a:chExt cx="0" cy="0"/>
+        </a:xfrm>
+      </p:grpSpPr>
+      <p:pic>
+        <p:nvPicPr>
+          <p:cNvPr id="36867" name="Picture 3" descr="C:\Documents and Settings\user\My Documents\Dropbox\project\Presentation\middle\simulations\sim2big.bmp"/>
+          <p:cNvPicPr>
+            <a:picLocks noChangeAspect="1" noChangeArrowheads="1"/>
+          </p:cNvPicPr>
+          <p:nvPr/>
+        </p:nvPicPr>
+        <p:blipFill>
+          <a:blip r:embed="rId3" cstate="print"/>
+          <a:srcRect/>
+          <a:stretch>
+            <a:fillRect/>
+          </a:stretch>
+        </p:blipFill>
+        <p:spPr bwMode="auto">
+          <a:xfrm>
+            <a:off x="0" y="1412776"/>
+            <a:ext cx="10439400" cy="5301208"/>
+          </a:xfrm>
+          <a:prstGeom prst="rect">
+            <a:avLst/>
+          </a:prstGeom>
+          <a:noFill/>
+        </p:spPr>
+      </p:pic>
+      <p:pic>
+        <p:nvPicPr>
+          <p:cNvPr id="36866" name="Picture 2" descr="C:\Documents and Settings\user\My Documents\Dropbox\project\Presentation\middle\simulations\sim1.1big.bmp"/>
+          <p:cNvPicPr>
+            <a:picLocks noChangeAspect="1" noChangeArrowheads="1"/>
+          </p:cNvPicPr>
+          <p:nvPr/>
+        </p:nvPicPr>
+        <p:blipFill>
+          <a:blip r:embed="rId4" cstate="print"/>
+          <a:srcRect/>
+          <a:stretch>
+            <a:fillRect/>
+          </a:stretch>
+        </p:blipFill>
+        <p:spPr bwMode="auto">
+          <a:xfrm>
+            <a:off x="0" y="1224136"/>
+            <a:ext cx="9144000" cy="5661248"/>
+          </a:xfrm>
+          <a:prstGeom prst="rect">
+            <a:avLst/>
+          </a:prstGeom>
+          <a:noFill/>
+        </p:spPr>
+      </p:pic>
+      <p:sp>
+        <p:nvSpPr>
+          <p:cNvPr id="3" name="מציין מיקום תוכן 2"/>
+          <p:cNvSpPr>
+            <a:spLocks noGrp="1"/>
+          </p:cNvSpPr>
+          <p:nvPr>
+            <p:ph idx="1"/>
+          </p:nvPr>
+        </p:nvSpPr>
+        <p:spPr>
+          <a:xfrm>
+            <a:off x="457200" y="1600201"/>
+            <a:ext cx="8229600" cy="2044823"/>
+          </a:xfrm>
+        </p:spPr>
+        <p:txBody>
+          <a:bodyPr/>
+          <a:lstStyle/>
+          <a:p>
+            <a:pPr algn="l" rtl="0"/>
+            <a:r>
+              <a:rPr lang="en-US" dirty="0" smtClean="0"/>
+              <a:t>Example: </a:t>
+            </a:r>
+          </a:p>
+          <a:p>
+            <a:pPr algn="l" rtl="0">
+              <a:buNone/>
+            </a:pPr>
+            <a:r>
+              <a:rPr lang="en-US" dirty="0" smtClean="0"/>
+              <a:t>			Trigger type – rise</a:t>
+            </a:r>
+          </a:p>
+          <a:p>
+            <a:pPr algn="l" rtl="0">
+              <a:buNone/>
+            </a:pPr>
+            <a:r>
+              <a:rPr lang="en-US" dirty="0" smtClean="0"/>
+              <a:t>			trigger position - 0</a:t>
+            </a:r>
+            <a:endParaRPr lang="he-IL" dirty="0"/>
+          </a:p>
+        </p:txBody>
+      </p:sp>
+      <p:sp>
+        <p:nvSpPr>
+          <p:cNvPr id="4" name="כותרת 1"/>
+          <p:cNvSpPr>
+            <a:spLocks noGrp="1"/>
+          </p:cNvSpPr>
+          <p:nvPr>
+            <p:ph type="title"/>
+          </p:nvPr>
+        </p:nvSpPr>
+        <p:spPr/>
+        <p:txBody>
+          <a:bodyPr/>
+          <a:lstStyle/>
+          <a:p>
+            <a:r>
+              <a:rPr lang="en-US" dirty="0" smtClean="0"/>
+              <a:t>Simulations</a:t>
+            </a:r>
+            <a:endParaRPr lang="he-IL" dirty="0"/>
+          </a:p>
+        </p:txBody>
+      </p:sp>
+      <p:sp>
+        <p:nvSpPr>
+          <p:cNvPr id="6" name="מציין מיקום תוכן 2"/>
+          <p:cNvSpPr txBox="1">
+            <a:spLocks/>
+          </p:cNvSpPr>
+          <p:nvPr/>
+        </p:nvSpPr>
+        <p:spPr>
+          <a:xfrm>
+            <a:off x="467544" y="1600201"/>
+            <a:ext cx="8229600" cy="2044823"/>
+          </a:xfrm>
+          <a:prstGeom prst="rect">
+            <a:avLst/>
+          </a:prstGeom>
+        </p:spPr>
+        <p:txBody>
+          <a:bodyPr vert="horz" lIns="91440" tIns="45720" rIns="91440" bIns="45720" rtlCol="1">
+            <a:normAutofit/>
+          </a:bodyPr>
+          <a:lstStyle/>
+          <a:p>
+            <a:pPr marL="342900" marR="0" lvl="0" indent="-342900" algn="l" defTabSz="914400" rtl="0" eaLnBrk="1" fontAlgn="auto" latinLnBrk="0" hangingPunct="1">
+              <a:lnSpc>
+                <a:spcPct val="100000"/>
+              </a:lnSpc>
+              <a:spcBef>
+                <a:spcPct val="20000"/>
+              </a:spcBef>
+              <a:spcAft>
+                <a:spcPts val="0"/>
+              </a:spcAft>
+              <a:buClrTx/>
+              <a:buSzTx/>
+              <a:buFont typeface="Arial" pitchFamily="34" charset="0"/>
+              <a:buChar char="•"/>
+              <a:tabLst/>
+              <a:defRPr/>
+            </a:pPr>
+            <a:r>
+              <a:rPr kumimoji="0" lang="en-US" sz="3200" b="0" i="0" u="none" strike="noStrike" kern="1200" cap="none" spc="0" normalizeH="0" baseline="0" noProof="0" dirty="0" smtClean="0">
+                <a:ln>
+                  <a:noFill/>
+                </a:ln>
+                <a:solidFill>
+                  <a:schemeClr val="tx1"/>
+                </a:solidFill>
+                <a:effectLst/>
+                <a:uLnTx/>
+                <a:uFillTx/>
+                <a:latin typeface="+mn-lt"/>
+                <a:ea typeface="+mn-ea"/>
+                <a:cs typeface="+mn-cs"/>
+              </a:rPr>
+              <a:t>Example 2: </a:t>
+            </a:r>
+          </a:p>
+          <a:p>
+            <a:pPr marL="342900" marR="0" lvl="0" indent="-342900" algn="l" defTabSz="914400" rtl="0" eaLnBrk="1" fontAlgn="auto" latinLnBrk="0" hangingPunct="1">
+              <a:lnSpc>
+                <a:spcPct val="100000"/>
+              </a:lnSpc>
+              <a:spcBef>
+                <a:spcPct val="20000"/>
+              </a:spcBef>
+              <a:spcAft>
+                <a:spcPts val="0"/>
+              </a:spcAft>
+              <a:buClrTx/>
+              <a:buSzTx/>
+              <a:buFont typeface="Arial" pitchFamily="34" charset="0"/>
+              <a:buNone/>
+              <a:tabLst/>
+              <a:defRPr/>
+            </a:pPr>
+            <a:r>
+              <a:rPr kumimoji="0" lang="en-US" sz="3200" b="0" i="0" u="none" strike="noStrike" kern="1200" cap="none" spc="0" normalizeH="0" baseline="0" noProof="0" dirty="0" smtClean="0">
+                <a:ln>
+                  <a:noFill/>
+                </a:ln>
+                <a:solidFill>
+                  <a:schemeClr val="tx1"/>
+                </a:solidFill>
+                <a:effectLst/>
+                <a:uLnTx/>
+                <a:uFillTx/>
+                <a:latin typeface="+mn-lt"/>
+                <a:ea typeface="+mn-ea"/>
+                <a:cs typeface="+mn-cs"/>
+              </a:rPr>
+              <a:t>			Trigger type – rise</a:t>
+            </a:r>
+          </a:p>
+          <a:p>
+            <a:pPr marL="342900" marR="0" lvl="0" indent="-342900" algn="l" defTabSz="914400" rtl="0" eaLnBrk="1" fontAlgn="auto" latinLnBrk="0" hangingPunct="1">
+              <a:lnSpc>
+                <a:spcPct val="100000"/>
+              </a:lnSpc>
+              <a:spcBef>
+                <a:spcPct val="20000"/>
+              </a:spcBef>
+              <a:spcAft>
+                <a:spcPts val="0"/>
+              </a:spcAft>
+              <a:buClrTx/>
+              <a:buSzTx/>
+              <a:buFont typeface="Arial" pitchFamily="34" charset="0"/>
+              <a:buNone/>
+              <a:tabLst/>
+              <a:defRPr/>
+            </a:pPr>
+            <a:r>
+              <a:rPr kumimoji="0" lang="en-US" sz="3200" b="0" i="0" u="none" strike="noStrike" kern="1200" cap="none" spc="0" normalizeH="0" baseline="0" noProof="0" dirty="0" smtClean="0">
+                <a:ln>
+                  <a:noFill/>
+                </a:ln>
+                <a:solidFill>
+                  <a:schemeClr val="tx1"/>
+                </a:solidFill>
+                <a:effectLst/>
+                <a:uLnTx/>
+                <a:uFillTx/>
+                <a:latin typeface="+mn-lt"/>
+                <a:ea typeface="+mn-ea"/>
+                <a:cs typeface="+mn-cs"/>
+              </a:rPr>
+              <a:t>			 trigger position - 50</a:t>
+            </a:r>
+            <a:endParaRPr kumimoji="0" lang="he-IL" sz="3200" b="0" i="0" u="none" strike="noStrike" kern="1200" cap="none" spc="0" normalizeH="0" baseline="0" noProof="0" dirty="0">
+              <a:ln>
+                <a:noFill/>
+              </a:ln>
+              <a:solidFill>
+                <a:schemeClr val="tx1"/>
+              </a:solidFill>
+              <a:effectLst/>
+              <a:uLnTx/>
+              <a:uFillTx/>
+              <a:latin typeface="+mn-lt"/>
+              <a:ea typeface="+mn-ea"/>
+              <a:cs typeface="+mn-cs"/>
+            </a:endParaRPr>
+          </a:p>
+        </p:txBody>
+      </p:sp>
+    </p:spTree>
+  </p:cSld>
+  <p:clrMapOvr>
+    <a:masterClrMapping/>
+  </p:clrMapOvr>
+  <p:timing>
+    <p:tnLst>
+      <p:par>
+        <p:cTn id="1" dur="indefinite" restart="never" nodeType="tmRoot">
+          <p:childTnLst>
+            <p:seq concurrent="1" nextAc="seek">
+              <p:cTn id="2" dur="indefinite" nodeType="mainSeq">
+                <p:childTnLst>
+                  <p:par>
+                    <p:cTn id="3" fill="hold">
+                      <p:stCondLst>
+                        <p:cond delay="indefinite"/>
+                      </p:stCondLst>
+                      <p:childTnLst>
+                        <p:par>
+                          <p:cTn id="4" fill="hold">
+                            <p:stCondLst>
+                              <p:cond delay="0"/>
+                            </p:stCondLst>
+                            <p:childTnLst>
+                              <p:par>
+                                <p:cTn id="5" presetID="2" presetClass="exit" presetSubtype="4" fill="hold" grpId="0" nodeType="clickEffect">
+                                  <p:stCondLst>
+                                    <p:cond delay="0"/>
+                                  </p:stCondLst>
+                                  <p:childTnLst>
+                                    <p:anim calcmode="lin" valueType="num">
+                                      <p:cBhvr additive="base">
+                                        <p:cTn id="6" dur="500"/>
+                                        <p:tgtEl>
+                                          <p:spTgt spid="3">
+                                            <p:txEl>
+                                              <p:pRg st="0" end="0"/>
+                                            </p:txEl>
+                                          </p:spTgt>
+                                        </p:tgtEl>
+                                        <p:attrNameLst>
+                                          <p:attrName>ppt_x</p:attrName>
+                                        </p:attrNameLst>
+                                      </p:cBhvr>
+                                      <p:tavLst>
+                                        <p:tav tm="0">
+                                          <p:val>
+                                            <p:strVal val="ppt_x"/>
+                                          </p:val>
+                                        </p:tav>
+                                        <p:tav tm="100000">
+                                          <p:val>
+                                            <p:strVal val="ppt_x"/>
+                                          </p:val>
+                                        </p:tav>
+                                      </p:tavLst>
+                                    </p:anim>
+                                    <p:anim calcmode="lin" valueType="num">
+                                      <p:cBhvr additive="base">
+                                        <p:cTn id="7" dur="500"/>
+                                        <p:tgtEl>
+                                          <p:spTgt spid="3">
+                                            <p:txEl>
+                                              <p:pRg st="0" end="0"/>
+                                            </p:txEl>
+                                          </p:spTgt>
+                                        </p:tgtEl>
+                                        <p:attrNameLst>
+                                          <p:attrName>ppt_y</p:attrName>
+                                        </p:attrNameLst>
+                                      </p:cBhvr>
+                                      <p:tavLst>
+                                        <p:tav tm="0">
+                                          <p:val>
+                                            <p:strVal val="ppt_y"/>
+                                          </p:val>
+                                        </p:tav>
+                                        <p:tav tm="100000">
+                                          <p:val>
+                                            <p:strVal val="1+ppt_h/2"/>
+                                          </p:val>
+                                        </p:tav>
+                                      </p:tavLst>
+                                    </p:anim>
+                                    <p:set>
+                                      <p:cBhvr>
+                                        <p:cTn id="8" dur="1" fill="hold">
+                                          <p:stCondLst>
+                                            <p:cond delay="499"/>
+                                          </p:stCondLst>
+                                        </p:cTn>
+                                        <p:tgtEl>
+                                          <p:spTgt spid="3">
+                                            <p:txEl>
+                                              <p:pRg st="0" end="0"/>
+                                            </p:txEl>
+                                          </p:spTgt>
+                                        </p:tgtEl>
+                                        <p:attrNameLst>
+                                          <p:attrName>style.visibility</p:attrName>
+                                        </p:attrNameLst>
+                                      </p:cBhvr>
+                                      <p:to>
+                                        <p:strVal val="hidden"/>
+                                      </p:to>
+                                    </p:set>
+                                  </p:childTnLst>
+                                </p:cTn>
+                              </p:par>
+                              <p:par>
+                                <p:cTn id="9" presetID="2" presetClass="exit" presetSubtype="4" fill="hold" grpId="0" nodeType="withEffect">
+                                  <p:stCondLst>
+                                    <p:cond delay="0"/>
+                                  </p:stCondLst>
+                                  <p:childTnLst>
+                                    <p:anim calcmode="lin" valueType="num">
+                                      <p:cBhvr additive="base">
+                                        <p:cTn id="10" dur="500"/>
+                                        <p:tgtEl>
+                                          <p:spTgt spid="3">
+                                            <p:txEl>
+                                              <p:pRg st="1" end="1"/>
+                                            </p:txEl>
+                                          </p:spTgt>
+                                        </p:tgtEl>
+                                        <p:attrNameLst>
+                                          <p:attrName>ppt_x</p:attrName>
+                                        </p:attrNameLst>
+                                      </p:cBhvr>
+                                      <p:tavLst>
+                                        <p:tav tm="0">
+                                          <p:val>
+                                            <p:strVal val="ppt_x"/>
+                                          </p:val>
+                                        </p:tav>
+                                        <p:tav tm="100000">
+                                          <p:val>
+                                            <p:strVal val="ppt_x"/>
+                                          </p:val>
+                                        </p:tav>
+                                      </p:tavLst>
+                                    </p:anim>
+                                    <p:anim calcmode="lin" valueType="num">
+                                      <p:cBhvr additive="base">
+                                        <p:cTn id="11" dur="500"/>
+                                        <p:tgtEl>
+                                          <p:spTgt spid="3">
+                                            <p:txEl>
+                                              <p:pRg st="1" end="1"/>
+                                            </p:txEl>
+                                          </p:spTgt>
+                                        </p:tgtEl>
+                                        <p:attrNameLst>
+                                          <p:attrName>ppt_y</p:attrName>
+                                        </p:attrNameLst>
+                                      </p:cBhvr>
+                                      <p:tavLst>
+                                        <p:tav tm="0">
+                                          <p:val>
+                                            <p:strVal val="ppt_y"/>
+                                          </p:val>
+                                        </p:tav>
+                                        <p:tav tm="100000">
+                                          <p:val>
+                                            <p:strVal val="1+ppt_h/2"/>
+                                          </p:val>
+                                        </p:tav>
+                                      </p:tavLst>
+                                    </p:anim>
+                                    <p:set>
+                                      <p:cBhvr>
+                                        <p:cTn id="12" dur="1" fill="hold">
+                                          <p:stCondLst>
+                                            <p:cond delay="499"/>
+                                          </p:stCondLst>
+                                        </p:cTn>
+                                        <p:tgtEl>
+                                          <p:spTgt spid="3">
+                                            <p:txEl>
+                                              <p:pRg st="1" end="1"/>
+                                            </p:txEl>
+                                          </p:spTgt>
+                                        </p:tgtEl>
+                                        <p:attrNameLst>
+                                          <p:attrName>style.visibility</p:attrName>
+                                        </p:attrNameLst>
+                                      </p:cBhvr>
+                                      <p:to>
+                                        <p:strVal val="hidden"/>
+                                      </p:to>
+                                    </p:set>
+                                  </p:childTnLst>
+                                </p:cTn>
+                              </p:par>
+                              <p:par>
+                                <p:cTn id="13" presetID="2" presetClass="exit" presetSubtype="4" fill="hold" grpId="0" nodeType="withEffect">
+                                  <p:stCondLst>
+                                    <p:cond delay="0"/>
+                                  </p:stCondLst>
+                                  <p:childTnLst>
+                                    <p:anim calcmode="lin" valueType="num">
+                                      <p:cBhvr additive="base">
+                                        <p:cTn id="14" dur="500"/>
+                                        <p:tgtEl>
+                                          <p:spTgt spid="3">
+                                            <p:txEl>
+                                              <p:pRg st="2" end="2"/>
+                                            </p:txEl>
+                                          </p:spTgt>
+                                        </p:tgtEl>
+                                        <p:attrNameLst>
+                                          <p:attrName>ppt_x</p:attrName>
+                                        </p:attrNameLst>
+                                      </p:cBhvr>
+                                      <p:tavLst>
+                                        <p:tav tm="0">
+                                          <p:val>
+                                            <p:strVal val="ppt_x"/>
+                                          </p:val>
+                                        </p:tav>
+                                        <p:tav tm="100000">
+                                          <p:val>
+                                            <p:strVal val="ppt_x"/>
+                                          </p:val>
+                                        </p:tav>
+                                      </p:tavLst>
+                                    </p:anim>
+                                    <p:anim calcmode="lin" valueType="num">
+                                      <p:cBhvr additive="base">
+                                        <p:cTn id="15" dur="500"/>
+                                        <p:tgtEl>
+                                          <p:spTgt spid="3">
+                                            <p:txEl>
+                                              <p:pRg st="2" end="2"/>
+                                            </p:txEl>
+                                          </p:spTgt>
+                                        </p:tgtEl>
+                                        <p:attrNameLst>
+                                          <p:attrName>ppt_y</p:attrName>
+                                        </p:attrNameLst>
+                                      </p:cBhvr>
+                                      <p:tavLst>
+                                        <p:tav tm="0">
+                                          <p:val>
+                                            <p:strVal val="ppt_y"/>
+                                          </p:val>
+                                        </p:tav>
+                                        <p:tav tm="100000">
+                                          <p:val>
+                                            <p:strVal val="1+ppt_h/2"/>
+                                          </p:val>
+                                        </p:tav>
+                                      </p:tavLst>
+                                    </p:anim>
+                                    <p:set>
+                                      <p:cBhvr>
+                                        <p:cTn id="16" dur="1" fill="hold">
+                                          <p:stCondLst>
+                                            <p:cond delay="499"/>
+                                          </p:stCondLst>
+                                        </p:cTn>
+                                        <p:tgtEl>
+                                          <p:spTgt spid="3">
+                                            <p:txEl>
+                                              <p:pRg st="2" end="2"/>
+                                            </p:txEl>
+                                          </p:spTgt>
+                                        </p:tgtEl>
+                                        <p:attrNameLst>
+                                          <p:attrName>style.visibility</p:attrName>
+                                        </p:attrNameLst>
+                                      </p:cBhvr>
+                                      <p:to>
+                                        <p:strVal val="hidden"/>
+                                      </p:to>
+                                    </p:set>
+                                  </p:childTnLst>
+                                </p:cTn>
+                              </p:par>
+                              <p:par>
+                                <p:cTn id="17" presetID="2" presetClass="entr" presetSubtype="4" fill="hold" nodeType="withEffect">
+                                  <p:stCondLst>
+                                    <p:cond delay="0"/>
+                                  </p:stCondLst>
+                                  <p:childTnLst>
+                                    <p:set>
+                                      <p:cBhvr>
+                                        <p:cTn id="18" dur="1" fill="hold">
+                                          <p:stCondLst>
+                                            <p:cond delay="0"/>
+                                          </p:stCondLst>
+                                        </p:cTn>
+                                        <p:tgtEl>
+                                          <p:spTgt spid="36866"/>
+                                        </p:tgtEl>
+                                        <p:attrNameLst>
+                                          <p:attrName>style.visibility</p:attrName>
+                                        </p:attrNameLst>
+                                      </p:cBhvr>
+                                      <p:to>
+                                        <p:strVal val="visible"/>
+                                      </p:to>
+                                    </p:set>
+                                    <p:anim calcmode="lin" valueType="num">
+                                      <p:cBhvr additive="base">
+                                        <p:cTn id="19" dur="500" fill="hold"/>
+                                        <p:tgtEl>
+                                          <p:spTgt spid="36866"/>
+                                        </p:tgtEl>
+                                        <p:attrNameLst>
+                                          <p:attrName>ppt_x</p:attrName>
+                                        </p:attrNameLst>
+                                      </p:cBhvr>
+                                      <p:tavLst>
+                                        <p:tav tm="0">
+                                          <p:val>
+                                            <p:strVal val="#ppt_x"/>
+                                          </p:val>
+                                        </p:tav>
+                                        <p:tav tm="100000">
+                                          <p:val>
+                                            <p:strVal val="#ppt_x"/>
+                                          </p:val>
+                                        </p:tav>
+                                      </p:tavLst>
+                                    </p:anim>
+                                    <p:anim calcmode="lin" valueType="num">
+                                      <p:cBhvr additive="base">
+                                        <p:cTn id="20" dur="500" fill="hold"/>
+                                        <p:tgtEl>
+                                          <p:spTgt spid="36866"/>
+                                        </p:tgtEl>
+                                        <p:attrNameLst>
+                                          <p:attrName>ppt_y</p:attrName>
+                                        </p:attrNameLst>
+                                      </p:cBhvr>
+                                      <p:tavLst>
+                                        <p:tav tm="0">
+                                          <p:val>
+                                            <p:strVal val="1+#ppt_h/2"/>
+                                          </p:val>
+                                        </p:tav>
+                                        <p:tav tm="100000">
+                                          <p:val>
+                                            <p:strVal val="#ppt_y"/>
+                                          </p:val>
+                                        </p:tav>
+                                      </p:tavLst>
+                                    </p:anim>
+                                  </p:childTnLst>
+                                </p:cTn>
+                              </p:par>
+                            </p:childTnLst>
+                          </p:cTn>
+                        </p:par>
+                      </p:childTnLst>
+                    </p:cTn>
+                  </p:par>
+                  <p:par>
+                    <p:cTn id="21" fill="hold">
+                      <p:stCondLst>
+                        <p:cond delay="indefinite"/>
+                      </p:stCondLst>
+                      <p:childTnLst>
+                        <p:par>
+                          <p:cTn id="22" fill="hold">
+                            <p:stCondLst>
+                              <p:cond delay="0"/>
+                            </p:stCondLst>
+                            <p:childTnLst>
+                              <p:par>
+                                <p:cTn id="23" presetID="2" presetClass="exit" presetSubtype="4" fill="hold" nodeType="clickEffect">
+                                  <p:stCondLst>
+                                    <p:cond delay="0"/>
+                                  </p:stCondLst>
+                                  <p:childTnLst>
+                                    <p:anim calcmode="lin" valueType="num">
+                                      <p:cBhvr additive="base">
+                                        <p:cTn id="24" dur="500"/>
+                                        <p:tgtEl>
+                                          <p:spTgt spid="36866"/>
+                                        </p:tgtEl>
+                                        <p:attrNameLst>
+                                          <p:attrName>ppt_x</p:attrName>
+                                        </p:attrNameLst>
+                                      </p:cBhvr>
+                                      <p:tavLst>
+                                        <p:tav tm="0">
+                                          <p:val>
+                                            <p:strVal val="ppt_x"/>
+                                          </p:val>
+                                        </p:tav>
+                                        <p:tav tm="100000">
+                                          <p:val>
+                                            <p:strVal val="ppt_x"/>
+                                          </p:val>
+                                        </p:tav>
+                                      </p:tavLst>
+                                    </p:anim>
+                                    <p:anim calcmode="lin" valueType="num">
+                                      <p:cBhvr additive="base">
+                                        <p:cTn id="25" dur="500"/>
+                                        <p:tgtEl>
+                                          <p:spTgt spid="36866"/>
+                                        </p:tgtEl>
+                                        <p:attrNameLst>
+                                          <p:attrName>ppt_y</p:attrName>
+                                        </p:attrNameLst>
+                                      </p:cBhvr>
+                                      <p:tavLst>
+                                        <p:tav tm="0">
+                                          <p:val>
+                                            <p:strVal val="ppt_y"/>
+                                          </p:val>
+                                        </p:tav>
+                                        <p:tav tm="100000">
+                                          <p:val>
+                                            <p:strVal val="1+ppt_h/2"/>
+                                          </p:val>
+                                        </p:tav>
+                                      </p:tavLst>
+                                    </p:anim>
+                                    <p:set>
+                                      <p:cBhvr>
+                                        <p:cTn id="26" dur="1" fill="hold">
+                                          <p:stCondLst>
+                                            <p:cond delay="499"/>
+                                          </p:stCondLst>
+                                        </p:cTn>
+                                        <p:tgtEl>
+                                          <p:spTgt spid="36866"/>
+                                        </p:tgtEl>
+                                        <p:attrNameLst>
+                                          <p:attrName>style.visibility</p:attrName>
+                                        </p:attrNameLst>
+                                      </p:cBhvr>
+                                      <p:to>
+                                        <p:strVal val="hidden"/>
+                                      </p:to>
+                                    </p:set>
+                                  </p:childTnLst>
+                                </p:cTn>
+                              </p:par>
+                              <p:par>
+                                <p:cTn id="27" presetID="2" presetClass="entr" presetSubtype="4" fill="hold" grpId="3" nodeType="withEffect">
+                                  <p:stCondLst>
+                                    <p:cond delay="0"/>
+                                  </p:stCondLst>
+                                  <p:childTnLst>
+                                    <p:set>
+                                      <p:cBhvr>
+                                        <p:cTn id="28" dur="1" fill="hold">
+                                          <p:stCondLst>
+                                            <p:cond delay="0"/>
+                                          </p:stCondLst>
+                                        </p:cTn>
+                                        <p:tgtEl>
+                                          <p:spTgt spid="6">
+                                            <p:txEl>
+                                              <p:pRg st="0" end="0"/>
+                                            </p:txEl>
+                                          </p:spTgt>
+                                        </p:tgtEl>
+                                        <p:attrNameLst>
+                                          <p:attrName>style.visibility</p:attrName>
+                                        </p:attrNameLst>
+                                      </p:cBhvr>
+                                      <p:to>
+                                        <p:strVal val="visible"/>
+                                      </p:to>
+                                    </p:set>
+                                    <p:anim calcmode="lin" valueType="num">
+                                      <p:cBhvr additive="base">
+                                        <p:cTn id="29" dur="500" fill="hold"/>
+                                        <p:tgtEl>
+                                          <p:spTgt spid="6">
+                                            <p:txEl>
+                                              <p:pRg st="0" end="0"/>
+                                            </p:txEl>
+                                          </p:spTgt>
+                                        </p:tgtEl>
+                                        <p:attrNameLst>
+                                          <p:attrName>ppt_x</p:attrName>
+                                        </p:attrNameLst>
+                                      </p:cBhvr>
+                                      <p:tavLst>
+                                        <p:tav tm="0">
+                                          <p:val>
+                                            <p:strVal val="#ppt_x"/>
+                                          </p:val>
+                                        </p:tav>
+                                        <p:tav tm="100000">
+                                          <p:val>
+                                            <p:strVal val="#ppt_x"/>
+                                          </p:val>
+                                        </p:tav>
+                                      </p:tavLst>
+                                    </p:anim>
+                                    <p:anim calcmode="lin" valueType="num">
+                                      <p:cBhvr additive="base">
+                                        <p:cTn id="30" dur="500" fill="hold"/>
+                                        <p:tgtEl>
+                                          <p:spTgt spid="6">
+                                            <p:txEl>
+                                              <p:pRg st="0" end="0"/>
+                                            </p:txEl>
+                                          </p:spTgt>
+                                        </p:tgtEl>
+                                        <p:attrNameLst>
+                                          <p:attrName>ppt_y</p:attrName>
+                                        </p:attrNameLst>
+                                      </p:cBhvr>
+                                      <p:tavLst>
+                                        <p:tav tm="0">
+                                          <p:val>
+                                            <p:strVal val="1+#ppt_h/2"/>
+                                          </p:val>
+                                        </p:tav>
+                                        <p:tav tm="100000">
+                                          <p:val>
+                                            <p:strVal val="#ppt_y"/>
+                                          </p:val>
+                                        </p:tav>
+                                      </p:tavLst>
+                                    </p:anim>
+                                  </p:childTnLst>
+                                </p:cTn>
+                              </p:par>
+                              <p:par>
+                                <p:cTn id="31" presetID="2" presetClass="entr" presetSubtype="4" fill="hold" grpId="3" nodeType="withEffect">
+                                  <p:stCondLst>
+                                    <p:cond delay="0"/>
+                                  </p:stCondLst>
+                                  <p:childTnLst>
+                                    <p:set>
+                                      <p:cBhvr>
+                                        <p:cTn id="32" dur="1" fill="hold">
+                                          <p:stCondLst>
+                                            <p:cond delay="0"/>
+                                          </p:stCondLst>
+                                        </p:cTn>
+                                        <p:tgtEl>
+                                          <p:spTgt spid="6">
+                                            <p:txEl>
+                                              <p:pRg st="1" end="1"/>
+                                            </p:txEl>
+                                          </p:spTgt>
+                                        </p:tgtEl>
+                                        <p:attrNameLst>
+                                          <p:attrName>style.visibility</p:attrName>
+                                        </p:attrNameLst>
+                                      </p:cBhvr>
+                                      <p:to>
+                                        <p:strVal val="visible"/>
+                                      </p:to>
+                                    </p:set>
+                                    <p:anim calcmode="lin" valueType="num">
+                                      <p:cBhvr additive="base">
+                                        <p:cTn id="33" dur="500" fill="hold"/>
+                                        <p:tgtEl>
+                                          <p:spTgt spid="6">
+                                            <p:txEl>
+                                              <p:pRg st="1" end="1"/>
+                                            </p:txEl>
+                                          </p:spTgt>
+                                        </p:tgtEl>
+                                        <p:attrNameLst>
+                                          <p:attrName>ppt_x</p:attrName>
+                                        </p:attrNameLst>
+                                      </p:cBhvr>
+                                      <p:tavLst>
+                                        <p:tav tm="0">
+                                          <p:val>
+                                            <p:strVal val="#ppt_x"/>
+                                          </p:val>
+                                        </p:tav>
+                                        <p:tav tm="100000">
+                                          <p:val>
+                                            <p:strVal val="#ppt_x"/>
+                                          </p:val>
+                                        </p:tav>
+                                      </p:tavLst>
+                                    </p:anim>
+                                    <p:anim calcmode="lin" valueType="num">
+                                      <p:cBhvr additive="base">
+                                        <p:cTn id="34" dur="500" fill="hold"/>
+                                        <p:tgtEl>
+                                          <p:spTgt spid="6">
+                                            <p:txEl>
+                                              <p:pRg st="1" end="1"/>
+                                            </p:txEl>
+                                          </p:spTgt>
+                                        </p:tgtEl>
+                                        <p:attrNameLst>
+                                          <p:attrName>ppt_y</p:attrName>
+                                        </p:attrNameLst>
+                                      </p:cBhvr>
+                                      <p:tavLst>
+                                        <p:tav tm="0">
+                                          <p:val>
+                                            <p:strVal val="1+#ppt_h/2"/>
+                                          </p:val>
+                                        </p:tav>
+                                        <p:tav tm="100000">
+                                          <p:val>
+                                            <p:strVal val="#ppt_y"/>
+                                          </p:val>
+                                        </p:tav>
+                                      </p:tavLst>
+                                    </p:anim>
+                                  </p:childTnLst>
+                                </p:cTn>
+                              </p:par>
+                              <p:par>
+                                <p:cTn id="35" presetID="2" presetClass="entr" presetSubtype="4" fill="hold" grpId="3" nodeType="withEffect">
+                                  <p:stCondLst>
+                                    <p:cond delay="0"/>
+                                  </p:stCondLst>
+                                  <p:childTnLst>
+                                    <p:set>
+                                      <p:cBhvr>
+                                        <p:cTn id="36" dur="1" fill="hold">
+                                          <p:stCondLst>
+                                            <p:cond delay="0"/>
+                                          </p:stCondLst>
+                                        </p:cTn>
+                                        <p:tgtEl>
+                                          <p:spTgt spid="6">
+                                            <p:txEl>
+                                              <p:pRg st="2" end="2"/>
+                                            </p:txEl>
+                                          </p:spTgt>
+                                        </p:tgtEl>
+                                        <p:attrNameLst>
+                                          <p:attrName>style.visibility</p:attrName>
+                                        </p:attrNameLst>
+                                      </p:cBhvr>
+                                      <p:to>
+                                        <p:strVal val="visible"/>
+                                      </p:to>
+                                    </p:set>
+                                    <p:anim calcmode="lin" valueType="num">
+                                      <p:cBhvr additive="base">
+                                        <p:cTn id="37" dur="500" fill="hold"/>
+                                        <p:tgtEl>
+                                          <p:spTgt spid="6">
+                                            <p:txEl>
+                                              <p:pRg st="2" end="2"/>
+                                            </p:txEl>
+                                          </p:spTgt>
+                                        </p:tgtEl>
+                                        <p:attrNameLst>
+                                          <p:attrName>ppt_x</p:attrName>
+                                        </p:attrNameLst>
+                                      </p:cBhvr>
+                                      <p:tavLst>
+                                        <p:tav tm="0">
+                                          <p:val>
+                                            <p:strVal val="#ppt_x"/>
+                                          </p:val>
+                                        </p:tav>
+                                        <p:tav tm="100000">
+                                          <p:val>
+                                            <p:strVal val="#ppt_x"/>
+                                          </p:val>
+                                        </p:tav>
+                                      </p:tavLst>
+                                    </p:anim>
+                                    <p:anim calcmode="lin" valueType="num">
+                                      <p:cBhvr additive="base">
+                                        <p:cTn id="38" dur="500" fill="hold"/>
+                                        <p:tgtEl>
+                                          <p:spTgt spid="6">
+                                            <p:txEl>
+                                              <p:pRg st="2" end="2"/>
+                                            </p:txEl>
+                                          </p:spTgt>
+                                        </p:tgtEl>
+                                        <p:attrNameLst>
+                                          <p:attrName>ppt_y</p:attrName>
+                                        </p:attrNameLst>
+                                      </p:cBhvr>
+                                      <p:tavLst>
+                                        <p:tav tm="0">
+                                          <p:val>
+                                            <p:strVal val="1+#ppt_h/2"/>
+                                          </p:val>
+                                        </p:tav>
+                                        <p:tav tm="100000">
+                                          <p:val>
+                                            <p:strVal val="#ppt_y"/>
+                                          </p:val>
+                                        </p:tav>
+                                      </p:tavLst>
+                                    </p:anim>
+                                  </p:childTnLst>
+                                </p:cTn>
+                              </p:par>
+                            </p:childTnLst>
+                          </p:cTn>
+                        </p:par>
+                      </p:childTnLst>
+                    </p:cTn>
+                  </p:par>
+                  <p:par>
+                    <p:cTn id="39" fill="hold">
+                      <p:stCondLst>
+                        <p:cond delay="indefinite"/>
+                      </p:stCondLst>
+                      <p:childTnLst>
+                        <p:par>
+                          <p:cTn id="40" fill="hold">
+                            <p:stCondLst>
+                              <p:cond delay="0"/>
+                            </p:stCondLst>
+                            <p:childTnLst>
+                              <p:par>
+                                <p:cTn id="41" presetID="2" presetClass="exit" presetSubtype="4" fill="hold" grpId="0" nodeType="clickEffect">
+                                  <p:stCondLst>
+                                    <p:cond delay="0"/>
+                                  </p:stCondLst>
+                                  <p:childTnLst>
+                                    <p:anim calcmode="lin" valueType="num">
+                                      <p:cBhvr additive="base">
+                                        <p:cTn id="42" dur="500"/>
+                                        <p:tgtEl>
+                                          <p:spTgt spid="6">
+                                            <p:txEl>
+                                              <p:pRg st="0" end="0"/>
+                                            </p:txEl>
+                                          </p:spTgt>
+                                        </p:tgtEl>
+                                        <p:attrNameLst>
+                                          <p:attrName>ppt_x</p:attrName>
+                                        </p:attrNameLst>
+                                      </p:cBhvr>
+                                      <p:tavLst>
+                                        <p:tav tm="0">
+                                          <p:val>
+                                            <p:strVal val="ppt_x"/>
+                                          </p:val>
+                                        </p:tav>
+                                        <p:tav tm="100000">
+                                          <p:val>
+                                            <p:strVal val="ppt_x"/>
+                                          </p:val>
+                                        </p:tav>
+                                      </p:tavLst>
+                                    </p:anim>
+                                    <p:anim calcmode="lin" valueType="num">
+                                      <p:cBhvr additive="base">
+                                        <p:cTn id="43" dur="500"/>
+                                        <p:tgtEl>
+                                          <p:spTgt spid="6">
+                                            <p:txEl>
+                                              <p:pRg st="0" end="0"/>
+                                            </p:txEl>
+                                          </p:spTgt>
+                                        </p:tgtEl>
+                                        <p:attrNameLst>
+                                          <p:attrName>ppt_y</p:attrName>
+                                        </p:attrNameLst>
+                                      </p:cBhvr>
+                                      <p:tavLst>
+                                        <p:tav tm="0">
+                                          <p:val>
+                                            <p:strVal val="ppt_y"/>
+                                          </p:val>
+                                        </p:tav>
+                                        <p:tav tm="100000">
+                                          <p:val>
+                                            <p:strVal val="1+ppt_h/2"/>
+                                          </p:val>
+                                        </p:tav>
+                                      </p:tavLst>
+                                    </p:anim>
+                                    <p:set>
+                                      <p:cBhvr>
+                                        <p:cTn id="44" dur="1" fill="hold">
+                                          <p:stCondLst>
+                                            <p:cond delay="499"/>
+                                          </p:stCondLst>
+                                        </p:cTn>
+                                        <p:tgtEl>
+                                          <p:spTgt spid="6">
+                                            <p:txEl>
+                                              <p:pRg st="0" end="0"/>
+                                            </p:txEl>
+                                          </p:spTgt>
+                                        </p:tgtEl>
+                                        <p:attrNameLst>
+                                          <p:attrName>style.visibility</p:attrName>
+                                        </p:attrNameLst>
+                                      </p:cBhvr>
+                                      <p:to>
+                                        <p:strVal val="hidden"/>
+                                      </p:to>
+                                    </p:set>
+                                  </p:childTnLst>
+                                </p:cTn>
+                              </p:par>
+                              <p:par>
+                                <p:cTn id="45" presetID="2" presetClass="exit" presetSubtype="4" fill="hold" grpId="0" nodeType="withEffect">
+                                  <p:stCondLst>
+                                    <p:cond delay="0"/>
+                                  </p:stCondLst>
+                                  <p:childTnLst>
+                                    <p:anim calcmode="lin" valueType="num">
+                                      <p:cBhvr additive="base">
+                                        <p:cTn id="46" dur="500"/>
+                                        <p:tgtEl>
+                                          <p:spTgt spid="6">
+                                            <p:txEl>
+                                              <p:pRg st="1" end="1"/>
+                                            </p:txEl>
+                                          </p:spTgt>
+                                        </p:tgtEl>
+                                        <p:attrNameLst>
+                                          <p:attrName>ppt_x</p:attrName>
+                                        </p:attrNameLst>
+                                      </p:cBhvr>
+                                      <p:tavLst>
+                                        <p:tav tm="0">
+                                          <p:val>
+                                            <p:strVal val="ppt_x"/>
+                                          </p:val>
+                                        </p:tav>
+                                        <p:tav tm="100000">
+                                          <p:val>
+                                            <p:strVal val="ppt_x"/>
+                                          </p:val>
+                                        </p:tav>
+                                      </p:tavLst>
+                                    </p:anim>
+                                    <p:anim calcmode="lin" valueType="num">
+                                      <p:cBhvr additive="base">
+                                        <p:cTn id="47" dur="500"/>
+                                        <p:tgtEl>
+                                          <p:spTgt spid="6">
+                                            <p:txEl>
+                                              <p:pRg st="1" end="1"/>
+                                            </p:txEl>
+                                          </p:spTgt>
+                                        </p:tgtEl>
+                                        <p:attrNameLst>
+                                          <p:attrName>ppt_y</p:attrName>
+                                        </p:attrNameLst>
+                                      </p:cBhvr>
+                                      <p:tavLst>
+                                        <p:tav tm="0">
+                                          <p:val>
+                                            <p:strVal val="ppt_y"/>
+                                          </p:val>
+                                        </p:tav>
+                                        <p:tav tm="100000">
+                                          <p:val>
+                                            <p:strVal val="1+ppt_h/2"/>
+                                          </p:val>
+                                        </p:tav>
+                                      </p:tavLst>
+                                    </p:anim>
+                                    <p:set>
+                                      <p:cBhvr>
+                                        <p:cTn id="48" dur="1" fill="hold">
+                                          <p:stCondLst>
+                                            <p:cond delay="499"/>
+                                          </p:stCondLst>
+                                        </p:cTn>
+                                        <p:tgtEl>
+                                          <p:spTgt spid="6">
+                                            <p:txEl>
+                                              <p:pRg st="1" end="1"/>
+                                            </p:txEl>
+                                          </p:spTgt>
+                                        </p:tgtEl>
+                                        <p:attrNameLst>
+                                          <p:attrName>style.visibility</p:attrName>
+                                        </p:attrNameLst>
+                                      </p:cBhvr>
+                                      <p:to>
+                                        <p:strVal val="hidden"/>
+                                      </p:to>
+                                    </p:set>
+                                  </p:childTnLst>
+                                </p:cTn>
+                              </p:par>
+                              <p:par>
+                                <p:cTn id="49" presetID="2" presetClass="exit" presetSubtype="4" fill="hold" grpId="0" nodeType="withEffect">
+                                  <p:stCondLst>
+                                    <p:cond delay="0"/>
+                                  </p:stCondLst>
+                                  <p:childTnLst>
+                                    <p:anim calcmode="lin" valueType="num">
+                                      <p:cBhvr additive="base">
+                                        <p:cTn id="50" dur="500"/>
+                                        <p:tgtEl>
+                                          <p:spTgt spid="6">
+                                            <p:txEl>
+                                              <p:pRg st="2" end="2"/>
+                                            </p:txEl>
+                                          </p:spTgt>
+                                        </p:tgtEl>
+                                        <p:attrNameLst>
+                                          <p:attrName>ppt_x</p:attrName>
+                                        </p:attrNameLst>
+                                      </p:cBhvr>
+                                      <p:tavLst>
+                                        <p:tav tm="0">
+                                          <p:val>
+                                            <p:strVal val="ppt_x"/>
+                                          </p:val>
+                                        </p:tav>
+                                        <p:tav tm="100000">
+                                          <p:val>
+                                            <p:strVal val="ppt_x"/>
+                                          </p:val>
+                                        </p:tav>
+                                      </p:tavLst>
+                                    </p:anim>
+                                    <p:anim calcmode="lin" valueType="num">
+                                      <p:cBhvr additive="base">
+                                        <p:cTn id="51" dur="500"/>
+                                        <p:tgtEl>
+                                          <p:spTgt spid="6">
+                                            <p:txEl>
+                                              <p:pRg st="2" end="2"/>
+                                            </p:txEl>
+                                          </p:spTgt>
+                                        </p:tgtEl>
+                                        <p:attrNameLst>
+                                          <p:attrName>ppt_y</p:attrName>
+                                        </p:attrNameLst>
+                                      </p:cBhvr>
+                                      <p:tavLst>
+                                        <p:tav tm="0">
+                                          <p:val>
+                                            <p:strVal val="ppt_y"/>
+                                          </p:val>
+                                        </p:tav>
+                                        <p:tav tm="100000">
+                                          <p:val>
+                                            <p:strVal val="1+ppt_h/2"/>
+                                          </p:val>
+                                        </p:tav>
+                                      </p:tavLst>
+                                    </p:anim>
+                                    <p:set>
+                                      <p:cBhvr>
+                                        <p:cTn id="52" dur="1" fill="hold">
+                                          <p:stCondLst>
+                                            <p:cond delay="499"/>
+                                          </p:stCondLst>
+                                        </p:cTn>
+                                        <p:tgtEl>
+                                          <p:spTgt spid="6">
+                                            <p:txEl>
+                                              <p:pRg st="2" end="2"/>
+                                            </p:txEl>
+                                          </p:spTgt>
+                                        </p:tgtEl>
+                                        <p:attrNameLst>
+                                          <p:attrName>style.visibility</p:attrName>
+                                        </p:attrNameLst>
+                                      </p:cBhvr>
+                                      <p:to>
+                                        <p:strVal val="hidden"/>
+                                      </p:to>
+                                    </p:set>
+                                  </p:childTnLst>
+                                </p:cTn>
+                              </p:par>
+                              <p:par>
+                                <p:cTn id="53" presetID="2" presetClass="entr" presetSubtype="4" fill="hold" nodeType="withEffect">
+                                  <p:stCondLst>
+                                    <p:cond delay="0"/>
+                                  </p:stCondLst>
+                                  <p:childTnLst>
+                                    <p:set>
+                                      <p:cBhvr>
+                                        <p:cTn id="54" dur="1" fill="hold">
+                                          <p:stCondLst>
+                                            <p:cond delay="0"/>
+                                          </p:stCondLst>
+                                        </p:cTn>
+                                        <p:tgtEl>
+                                          <p:spTgt spid="36867"/>
+                                        </p:tgtEl>
+                                        <p:attrNameLst>
+                                          <p:attrName>style.visibility</p:attrName>
+                                        </p:attrNameLst>
+                                      </p:cBhvr>
+                                      <p:to>
+                                        <p:strVal val="visible"/>
+                                      </p:to>
+                                    </p:set>
+                                    <p:anim calcmode="lin" valueType="num">
+                                      <p:cBhvr additive="base">
+                                        <p:cTn id="55" dur="500" fill="hold"/>
+                                        <p:tgtEl>
+                                          <p:spTgt spid="36867"/>
+                                        </p:tgtEl>
+                                        <p:attrNameLst>
+                                          <p:attrName>ppt_x</p:attrName>
+                                        </p:attrNameLst>
+                                      </p:cBhvr>
+                                      <p:tavLst>
+                                        <p:tav tm="0">
+                                          <p:val>
+                                            <p:strVal val="#ppt_x"/>
+                                          </p:val>
+                                        </p:tav>
+                                        <p:tav tm="100000">
+                                          <p:val>
+                                            <p:strVal val="#ppt_x"/>
+                                          </p:val>
+                                        </p:tav>
+                                      </p:tavLst>
+                                    </p:anim>
+                                    <p:anim calcmode="lin" valueType="num">
+                                      <p:cBhvr additive="base">
+                                        <p:cTn id="56" dur="500" fill="hold"/>
+                                        <p:tgtEl>
+                                          <p:spTgt spid="36867"/>
+                                        </p:tgtEl>
+                                        <p:attrNameLst>
+                                          <p:attrName>ppt_y</p:attrName>
+                                        </p:attrNameLst>
+                                      </p:cBhvr>
+                                      <p:tavLst>
+                                        <p:tav tm="0">
+                                          <p:val>
+                                            <p:strVal val="1+#ppt_h/2"/>
+                                          </p:val>
+                                        </p:tav>
+                                        <p:tav tm="100000">
+                                          <p:val>
+                                            <p:strVal val="#ppt_y"/>
+                                          </p:val>
+                                        </p:tav>
+                                      </p:tavLst>
+                                    </p:anim>
+                                  </p:childTnLst>
+                                </p:cTn>
+                              </p:par>
+                            </p:childTnLst>
+                          </p:cTn>
+                        </p:par>
+                      </p:childTnLst>
+                    </p:cTn>
+                  </p:par>
+                </p:childTnLst>
+              </p:cTn>
+              <p:prevCondLst>
+                <p:cond evt="onPrev" delay="0">
+                  <p:tgtEl>
+                    <p:sldTgt/>
+                  </p:tgtEl>
+                </p:cond>
+              </p:prevCondLst>
+              <p:nextCondLst>
+                <p:cond evt="onNext" delay="0">
+                  <p:tgtEl>
+                    <p:sldTgt/>
+                  </p:tgtEl>
+                </p:cond>
+              </p:nextCondLst>
+            </p:seq>
+          </p:childTnLst>
+        </p:cTn>
+      </p:par>
+    </p:tnLst>
+    <p:bldLst>
+      <p:bldP spid="3" grpId="0" uiExpand="1" build="p"/>
+      <p:bldP spid="6" grpId="0" uiExpand="1" build="p"/>
+      <p:bldP spid="6" grpId="3" build="allAtOnce"/>
+    </p:bldLst>
+  </p:timing>
+</p:sld>
+</file>
+
+<file path=ppt/slides/slide18.xml><?xml version="1.0" encoding="utf-8"?>
 <p:sld xmlns:a="http://schemas.openxmlformats.org/drawingml/2006/main" xmlns:r="http://schemas.openxmlformats.org/officeDocument/2006/relationships" xmlns:p="http://schemas.openxmlformats.org/presentationml/2006/main">
   <p:cSld>
     <p:spTree>
@@ -22777,27 +25091,14 @@
             <a:pPr algn="l" rtl="0"/>
             <a:r>
               <a:rPr lang="en-US" dirty="0" smtClean="0"/>
-              <a:t>Data </a:t>
-            </a:r>
-            <a:r>
-              <a:rPr lang="en-US" dirty="0" smtClean="0"/>
-              <a:t>transfer</a:t>
-            </a:r>
-            <a:endParaRPr lang="en-US" dirty="0" smtClean="0"/>
+              <a:t>Data transfer</a:t>
+            </a:r>
           </a:p>
           <a:p>
             <a:pPr algn="l" rtl="0"/>
             <a:r>
               <a:rPr lang="en-US" dirty="0" smtClean="0"/>
-              <a:t>Internal </a:t>
-            </a:r>
-            <a:r>
-              <a:rPr lang="en-US" dirty="0" smtClean="0"/>
-              <a:t>Logic Analyzer </a:t>
-            </a:r>
-            <a:r>
-              <a:rPr lang="en-US" dirty="0" smtClean="0"/>
-              <a:t>Core</a:t>
+              <a:t>Internal Logic Analyzer Core</a:t>
             </a:r>
           </a:p>
           <a:p>
@@ -22834,7 +25135,6 @@
               <a:rPr lang="en-US" dirty="0" smtClean="0"/>
               <a:t>RAM</a:t>
             </a:r>
-            <a:endParaRPr lang="en-US" dirty="0" smtClean="0"/>
           </a:p>
           <a:p>
             <a:pPr algn="l" rtl="0"/>
@@ -22842,7 +25142,6 @@
               <a:rPr lang="en-US" dirty="0" smtClean="0"/>
               <a:t>Simulations</a:t>
             </a:r>
-            <a:endParaRPr lang="en-US" dirty="0" smtClean="0"/>
           </a:p>
           <a:p>
             <a:pPr algn="l" rtl="0"/>
